--- a/Classes/week_06/TA/simon_group/oop6.pptx
+++ b/Classes/week_06/TA/simon_group/oop6.pptx
@@ -21,9 +21,11 @@
     <p:sldId id="376" r:id="rId15"/>
     <p:sldId id="378" r:id="rId16"/>
     <p:sldId id="380" r:id="rId17"/>
-    <p:sldId id="384" r:id="rId18"/>
-    <p:sldId id="383" r:id="rId19"/>
-    <p:sldId id="366" r:id="rId20"/>
+    <p:sldId id="386" r:id="rId18"/>
+    <p:sldId id="385" r:id="rId19"/>
+    <p:sldId id="384" r:id="rId20"/>
+    <p:sldId id="383" r:id="rId21"/>
+    <p:sldId id="366" r:id="rId22"/>
   </p:sldIdLst>
   <p:sldSz cx="12192000" cy="6858000"/>
   <p:notesSz cx="12192000" cy="6858000"/>
@@ -359,7 +361,7 @@
           <a:p>
             <a:fld id="{1D8BD707-D9CF-40AE-B4C6-C98DA3205C09}" type="datetimeFigureOut">
               <a:rPr lang="en-US" smtClean="0"/>
-              <a:t>11/25/2020</a:t>
+              <a:t>12/2/2020</a:t>
             </a:fld>
             <a:endParaRPr lang="en-US"/>
           </a:p>
@@ -563,7 +565,7 @@
           <a:p>
             <a:fld id="{1D8BD707-D9CF-40AE-B4C6-C98DA3205C09}" type="datetimeFigureOut">
               <a:rPr lang="en-US" smtClean="0"/>
-              <a:t>11/25/2020</a:t>
+              <a:t>12/2/2020</a:t>
             </a:fld>
             <a:endParaRPr lang="en-US"/>
           </a:p>
@@ -772,7 +774,7 @@
           <a:p>
             <a:fld id="{1D8BD707-D9CF-40AE-B4C6-C98DA3205C09}" type="datetimeFigureOut">
               <a:rPr lang="en-US"/>
-              <a:t>11/25/2020</a:t>
+              <a:t>12/2/2020</a:t>
             </a:fld>
             <a:endParaRPr lang="en-US"/>
           </a:p>
@@ -976,7 +978,7 @@
           <a:p>
             <a:fld id="{1D8BD707-D9CF-40AE-B4C6-C98DA3205C09}" type="datetimeFigureOut">
               <a:rPr lang="en-US" smtClean="0"/>
-              <a:t>11/25/2020</a:t>
+              <a:t>12/2/2020</a:t>
             </a:fld>
             <a:endParaRPr lang="en-US"/>
           </a:p>
@@ -3396,6 +3398,531 @@
       </p:grpSpPr>
       <p:sp>
         <p:nvSpPr>
+          <p:cNvPr id="2" name="object 2"/>
+          <p:cNvSpPr txBox="1"/>
+          <p:nvPr/>
+        </p:nvSpPr>
+        <p:spPr>
+          <a:xfrm>
+            <a:off x="2895600" y="184666"/>
+            <a:ext cx="10210800" cy="382156"/>
+          </a:xfrm>
+          <a:prstGeom prst="rect">
+            <a:avLst/>
+          </a:prstGeom>
+        </p:spPr>
+        <p:txBody>
+          <a:bodyPr vert="horz" wrap="square" lIns="0" tIns="12700" rIns="0" bIns="0" rtlCol="0">
+            <a:spAutoFit/>
+          </a:bodyPr>
+          <a:lstStyle/>
+          <a:p>
+            <a:pPr marL="12700">
+              <a:lnSpc>
+                <a:spcPct val="100000"/>
+              </a:lnSpc>
+              <a:spcBef>
+                <a:spcPts val="100"/>
+              </a:spcBef>
+            </a:pPr>
+            <a:r>
+              <a:rPr lang="en-US" sz="2400" dirty="0">
+                <a:solidFill>
+                  <a:schemeClr val="accent1">
+                    <a:lumMod val="75000"/>
+                  </a:schemeClr>
+                </a:solidFill>
+                <a:latin typeface="Trebuchet MS"/>
+                <a:cs typeface="Trebuchet MS"/>
+              </a:rPr>
+              <a:t>wait</a:t>
+            </a:r>
+          </a:p>
+        </p:txBody>
+      </p:sp>
+      <p:sp>
+        <p:nvSpPr>
+          <p:cNvPr id="6" name="object 3">
+            <a:extLst>
+              <a:ext uri="{FF2B5EF4-FFF2-40B4-BE49-F238E27FC236}">
+                <a16:creationId xmlns:a16="http://schemas.microsoft.com/office/drawing/2014/main" id="{504C54EB-F689-45AF-9B50-A537385B0172}"/>
+              </a:ext>
+            </a:extLst>
+          </p:cNvPr>
+          <p:cNvSpPr txBox="1"/>
+          <p:nvPr/>
+        </p:nvSpPr>
+        <p:spPr>
+          <a:xfrm>
+            <a:off x="2895600" y="620104"/>
+            <a:ext cx="8561705" cy="1736373"/>
+          </a:xfrm>
+          <a:prstGeom prst="rect">
+            <a:avLst/>
+          </a:prstGeom>
+        </p:spPr>
+        <p:txBody>
+          <a:bodyPr vert="horz" wrap="square" lIns="0" tIns="12700" rIns="0" bIns="0" rtlCol="0">
+            <a:spAutoFit/>
+          </a:bodyPr>
+          <a:lstStyle/>
+          <a:p>
+            <a:pPr algn="l" fontAlgn="base"/>
+            <a:r>
+              <a:rPr lang="en-US" sz="1400" b="1" i="0" dirty="0">
+                <a:effectLst/>
+                <a:latin typeface="var(--font-din)"/>
+              </a:rPr>
+              <a:t>wait()</a:t>
+            </a:r>
+          </a:p>
+          <a:p>
+            <a:pPr algn="l" fontAlgn="base"/>
+            <a:r>
+              <a:rPr lang="en-US" sz="1400" b="1" i="0" dirty="0">
+                <a:effectLst/>
+                <a:latin typeface="var(--font-din)"/>
+              </a:rPr>
+              <a:t>The wait() method causes the current thread to wait indefinitely until another thread either invokes notify() for this object or </a:t>
+            </a:r>
+            <a:r>
+              <a:rPr lang="en-US" sz="1400" b="1" i="0" dirty="0" err="1">
+                <a:effectLst/>
+                <a:latin typeface="var(--font-din)"/>
+              </a:rPr>
+              <a:t>notifyAll</a:t>
+            </a:r>
+            <a:r>
+              <a:rPr lang="en-US" sz="1400" b="1" i="0" dirty="0">
+                <a:effectLst/>
+                <a:latin typeface="var(--font-din)"/>
+              </a:rPr>
+              <a:t>().</a:t>
+            </a:r>
+          </a:p>
+          <a:p>
+            <a:pPr algn="l" fontAlgn="base"/>
+            <a:r>
+              <a:rPr lang="en-US" sz="1400" b="1" i="0" dirty="0">
+                <a:effectLst/>
+                <a:latin typeface="var(--font-din)"/>
+              </a:rPr>
+              <a:t>wait(long timeout)</a:t>
+            </a:r>
+          </a:p>
+          <a:p>
+            <a:pPr algn="l" fontAlgn="base"/>
+            <a:r>
+              <a:rPr lang="en-US" sz="1400" b="1" i="0" dirty="0">
+                <a:effectLst/>
+                <a:latin typeface="var(--font-din)"/>
+              </a:rPr>
+              <a:t>Using this method, we can specify a timeout after which thread will be woken up automatically. A thread can be woken up before reaching the timeout using notify() or </a:t>
+            </a:r>
+            <a:r>
+              <a:rPr lang="en-US" sz="1400" b="1" i="0" dirty="0" err="1">
+                <a:effectLst/>
+                <a:latin typeface="var(--font-din)"/>
+              </a:rPr>
+              <a:t>notifyAll</a:t>
+            </a:r>
+            <a:r>
+              <a:rPr lang="en-US" sz="1400" b="1" i="0" dirty="0">
+                <a:effectLst/>
+                <a:latin typeface="var(--font-din)"/>
+              </a:rPr>
+              <a:t>().</a:t>
+            </a:r>
+          </a:p>
+          <a:p>
+            <a:pPr algn="l" fontAlgn="base"/>
+            <a:endParaRPr lang="en-US" sz="1400" b="1" i="0" dirty="0">
+              <a:effectLst/>
+              <a:latin typeface="var(--font-din)"/>
+            </a:endParaRPr>
+          </a:p>
+          <a:p>
+            <a:pPr algn="l" fontAlgn="base"/>
+            <a:r>
+              <a:rPr lang="en-US" sz="1400" b="1" i="0" dirty="0">
+                <a:effectLst/>
+                <a:latin typeface="var(--font-din)"/>
+              </a:rPr>
+              <a:t>Note that calling wait(0) is the same as calling wait().</a:t>
+            </a:r>
+            <a:endParaRPr lang="en-US" sz="1400" b="0" i="0" dirty="0">
+              <a:effectLst/>
+              <a:latin typeface="var(--font-din)"/>
+            </a:endParaRPr>
+          </a:p>
+        </p:txBody>
+      </p:sp>
+      <p:pic>
+        <p:nvPicPr>
+          <p:cNvPr id="1028" name="Picture 4" descr="Javarevisited: How to use wait, notify and notifyAll in Java - Producer  Consumer Example">
+            <a:extLst>
+              <a:ext uri="{FF2B5EF4-FFF2-40B4-BE49-F238E27FC236}">
+                <a16:creationId xmlns:a16="http://schemas.microsoft.com/office/drawing/2014/main" id="{77F67A0B-DDD6-49FF-A410-12D509D4670E}"/>
+              </a:ext>
+            </a:extLst>
+          </p:cNvPr>
+          <p:cNvPicPr>
+            <a:picLocks noChangeAspect="1" noChangeArrowheads="1"/>
+          </p:cNvPicPr>
+          <p:nvPr/>
+        </p:nvPicPr>
+        <p:blipFill>
+          <a:blip r:embed="rId2">
+            <a:extLst>
+              <a:ext uri="{28A0092B-C50C-407E-A947-70E740481C1C}">
+                <a14:useLocalDpi xmlns:a14="http://schemas.microsoft.com/office/drawing/2010/main" val="0"/>
+              </a:ext>
+            </a:extLst>
+          </a:blip>
+          <a:srcRect/>
+          <a:stretch>
+            <a:fillRect/>
+          </a:stretch>
+        </p:blipFill>
+        <p:spPr bwMode="auto">
+          <a:xfrm>
+            <a:off x="4191000" y="2409759"/>
+            <a:ext cx="5791200" cy="4343400"/>
+          </a:xfrm>
+          <a:prstGeom prst="rect">
+            <a:avLst/>
+          </a:prstGeom>
+          <a:noFill/>
+          <a:extLst>
+            <a:ext uri="{909E8E84-426E-40DD-AFC4-6F175D3DCCD1}">
+              <a14:hiddenFill xmlns:a14="http://schemas.microsoft.com/office/drawing/2010/main">
+                <a:solidFill>
+                  <a:srgbClr val="FFFFFF"/>
+                </a:solidFill>
+              </a14:hiddenFill>
+            </a:ext>
+          </a:extLst>
+        </p:spPr>
+      </p:pic>
+    </p:spTree>
+    <p:extLst>
+      <p:ext uri="{BB962C8B-B14F-4D97-AF65-F5344CB8AC3E}">
+        <p14:creationId xmlns:p14="http://schemas.microsoft.com/office/powerpoint/2010/main" val="2725832186"/>
+      </p:ext>
+    </p:extLst>
+  </p:cSld>
+  <p:clrMapOvr>
+    <a:masterClrMapping/>
+  </p:clrMapOvr>
+</p:sld>
+</file>
+
+<file path=ppt/slides/slide18.xml><?xml version="1.0" encoding="utf-8"?>
+<p:sld xmlns:a="http://schemas.openxmlformats.org/drawingml/2006/main" xmlns:r="http://schemas.openxmlformats.org/officeDocument/2006/relationships" xmlns:p="http://schemas.openxmlformats.org/presentationml/2006/main">
+  <p:cSld>
+    <p:spTree>
+      <p:nvGrpSpPr>
+        <p:cNvPr id="1" name=""/>
+        <p:cNvGrpSpPr/>
+        <p:nvPr/>
+      </p:nvGrpSpPr>
+      <p:grpSpPr>
+        <a:xfrm>
+          <a:off x="0" y="0"/>
+          <a:ext cx="0" cy="0"/>
+          <a:chOff x="0" y="0"/>
+          <a:chExt cx="0" cy="0"/>
+        </a:xfrm>
+      </p:grpSpPr>
+      <p:sp>
+        <p:nvSpPr>
+          <p:cNvPr id="2" name="object 2"/>
+          <p:cNvSpPr txBox="1"/>
+          <p:nvPr/>
+        </p:nvSpPr>
+        <p:spPr>
+          <a:xfrm>
+            <a:off x="2895600" y="184666"/>
+            <a:ext cx="10210800" cy="382156"/>
+          </a:xfrm>
+          <a:prstGeom prst="rect">
+            <a:avLst/>
+          </a:prstGeom>
+        </p:spPr>
+        <p:txBody>
+          <a:bodyPr vert="horz" wrap="square" lIns="0" tIns="12700" rIns="0" bIns="0" rtlCol="0">
+            <a:spAutoFit/>
+          </a:bodyPr>
+          <a:lstStyle/>
+          <a:p>
+            <a:pPr marL="12700">
+              <a:lnSpc>
+                <a:spcPct val="100000"/>
+              </a:lnSpc>
+              <a:spcBef>
+                <a:spcPts val="100"/>
+              </a:spcBef>
+            </a:pPr>
+            <a:r>
+              <a:rPr lang="en-US" sz="2400" dirty="0">
+                <a:solidFill>
+                  <a:schemeClr val="accent1">
+                    <a:lumMod val="75000"/>
+                  </a:schemeClr>
+                </a:solidFill>
+                <a:latin typeface="Trebuchet MS"/>
+                <a:cs typeface="Trebuchet MS"/>
+              </a:rPr>
+              <a:t>notify</a:t>
+            </a:r>
+          </a:p>
+        </p:txBody>
+      </p:sp>
+      <p:sp>
+        <p:nvSpPr>
+          <p:cNvPr id="6" name="object 3">
+            <a:extLst>
+              <a:ext uri="{FF2B5EF4-FFF2-40B4-BE49-F238E27FC236}">
+                <a16:creationId xmlns:a16="http://schemas.microsoft.com/office/drawing/2014/main" id="{504C54EB-F689-45AF-9B50-A537385B0172}"/>
+              </a:ext>
+            </a:extLst>
+          </p:cNvPr>
+          <p:cNvSpPr txBox="1"/>
+          <p:nvPr/>
+        </p:nvSpPr>
+        <p:spPr>
+          <a:xfrm>
+            <a:off x="2895600" y="620104"/>
+            <a:ext cx="8561705" cy="3890809"/>
+          </a:xfrm>
+          <a:prstGeom prst="rect">
+            <a:avLst/>
+          </a:prstGeom>
+        </p:spPr>
+        <p:txBody>
+          <a:bodyPr vert="horz" wrap="square" lIns="0" tIns="12700" rIns="0" bIns="0" rtlCol="0">
+            <a:spAutoFit/>
+          </a:bodyPr>
+          <a:lstStyle/>
+          <a:p>
+            <a:pPr algn="l" fontAlgn="base"/>
+            <a:r>
+              <a:rPr lang="en-US" sz="1400" b="1" i="0" dirty="0">
+                <a:effectLst/>
+                <a:latin typeface="var(--font-din)"/>
+              </a:rPr>
+              <a:t>notify() and </a:t>
+            </a:r>
+            <a:r>
+              <a:rPr lang="en-US" sz="1400" b="1" i="0" dirty="0" err="1">
+                <a:effectLst/>
+                <a:latin typeface="var(--font-din)"/>
+              </a:rPr>
+              <a:t>notifyAll</a:t>
+            </a:r>
+            <a:r>
+              <a:rPr lang="en-US" sz="1400" b="1" i="0" dirty="0">
+                <a:effectLst/>
+                <a:latin typeface="var(--font-din)"/>
+              </a:rPr>
+              <a:t>()</a:t>
+            </a:r>
+          </a:p>
+          <a:p>
+            <a:pPr algn="l" fontAlgn="base"/>
+            <a:r>
+              <a:rPr lang="en-US" sz="1400" b="1" i="0" dirty="0">
+                <a:effectLst/>
+                <a:latin typeface="var(--font-din)"/>
+              </a:rPr>
+              <a:t>The notify() method is used for waking up threads that are waiting for an access to this object's monitor.</a:t>
+            </a:r>
+          </a:p>
+          <a:p>
+            <a:pPr algn="l" fontAlgn="base"/>
+            <a:r>
+              <a:rPr lang="en-US" sz="1400" b="1" i="0" dirty="0">
+                <a:effectLst/>
+                <a:latin typeface="var(--font-din)"/>
+              </a:rPr>
+              <a:t>There are two ways of notifying waiting threads:</a:t>
+            </a:r>
+          </a:p>
+          <a:p>
+            <a:pPr algn="l" fontAlgn="base"/>
+            <a:endParaRPr lang="en-US" sz="1400" b="1" i="0" dirty="0">
+              <a:effectLst/>
+              <a:latin typeface="var(--font-din)"/>
+            </a:endParaRPr>
+          </a:p>
+          <a:p>
+            <a:pPr algn="l" fontAlgn="base"/>
+            <a:r>
+              <a:rPr lang="en-US" sz="1400" b="1" i="0" dirty="0">
+                <a:effectLst/>
+                <a:latin typeface="var(--font-din)"/>
+              </a:rPr>
+              <a:t>notify()</a:t>
+            </a:r>
+          </a:p>
+          <a:p>
+            <a:pPr algn="l" fontAlgn="base"/>
+            <a:r>
+              <a:rPr lang="en-US" sz="1400" b="1" i="0" dirty="0">
+                <a:effectLst/>
+                <a:latin typeface="var(--font-din)"/>
+              </a:rPr>
+              <a:t>For all threads waiting on this object's monitor (by using any one of the wait() method), the method notify() notifies any one of them to wake up arbitrarily. The choice of exactly which thread to wake is non-deterministic and depends upon the implementation.</a:t>
+            </a:r>
+          </a:p>
+          <a:p>
+            <a:pPr algn="l" fontAlgn="base"/>
+            <a:r>
+              <a:rPr lang="en-US" sz="1400" b="1" i="0" dirty="0">
+                <a:effectLst/>
+                <a:latin typeface="var(--font-din)"/>
+              </a:rPr>
+              <a:t>Since notify() wakes up a single random thread it can be used to implement mutually exclusive locking where threads are doing similar tasks, but in most cases, it would be more viable to implement </a:t>
+            </a:r>
+            <a:r>
+              <a:rPr lang="en-US" sz="1400" b="1" i="0" dirty="0" err="1">
+                <a:effectLst/>
+                <a:latin typeface="var(--font-din)"/>
+              </a:rPr>
+              <a:t>notifyAll</a:t>
+            </a:r>
+            <a:r>
+              <a:rPr lang="en-US" sz="1400" b="1" i="0" dirty="0">
+                <a:effectLst/>
+                <a:latin typeface="var(--font-din)"/>
+              </a:rPr>
+              <a:t>().</a:t>
+            </a:r>
+          </a:p>
+          <a:p>
+            <a:pPr algn="l" fontAlgn="base"/>
+            <a:endParaRPr lang="en-US" sz="1400" b="1" i="0" dirty="0">
+              <a:effectLst/>
+              <a:latin typeface="var(--font-din)"/>
+            </a:endParaRPr>
+          </a:p>
+          <a:p>
+            <a:pPr algn="l" fontAlgn="base"/>
+            <a:r>
+              <a:rPr lang="en-US" sz="1400" b="1" i="0" dirty="0" err="1">
+                <a:effectLst/>
+                <a:latin typeface="var(--font-din)"/>
+              </a:rPr>
+              <a:t>notifyAll</a:t>
+            </a:r>
+            <a:r>
+              <a:rPr lang="en-US" sz="1400" b="1" i="0" dirty="0">
+                <a:effectLst/>
+                <a:latin typeface="var(--font-din)"/>
+              </a:rPr>
+              <a:t>()</a:t>
+            </a:r>
+          </a:p>
+          <a:p>
+            <a:pPr algn="l" fontAlgn="base"/>
+            <a:r>
+              <a:rPr lang="en-US" sz="1400" b="1" i="0" dirty="0">
+                <a:effectLst/>
+                <a:latin typeface="var(--font-din)"/>
+              </a:rPr>
+              <a:t>This method simply wakes all threads that are waiting on this object's monitor.</a:t>
+            </a:r>
+          </a:p>
+          <a:p>
+            <a:pPr algn="l" fontAlgn="base"/>
+            <a:r>
+              <a:rPr lang="en-US" sz="1400" b="1" i="0" dirty="0">
+                <a:effectLst/>
+                <a:latin typeface="var(--font-din)"/>
+              </a:rPr>
+              <a:t>The awakened threads will complete in the usual manner – like any other thread.</a:t>
+            </a:r>
+          </a:p>
+          <a:p>
+            <a:pPr algn="l" fontAlgn="base"/>
+            <a:r>
+              <a:rPr lang="en-US" sz="1400" b="1" i="0" dirty="0">
+                <a:effectLst/>
+                <a:latin typeface="var(--font-din)"/>
+              </a:rPr>
+              <a:t>But before we allow their execution to continue, always define a quick check for the condition required to proceed with the thread – because there may be some situations where the thread got woken up without receiving a notification (this scenario is discussed later in an example).</a:t>
+            </a:r>
+          </a:p>
+          <a:p>
+            <a:pPr algn="l" fontAlgn="base"/>
+            <a:endParaRPr lang="en-US" sz="1400" b="1" i="0" dirty="0">
+              <a:effectLst/>
+              <a:latin typeface="var(--font-din)"/>
+            </a:endParaRPr>
+          </a:p>
+        </p:txBody>
+      </p:sp>
+      <p:pic>
+        <p:nvPicPr>
+          <p:cNvPr id="3" name="Picture 2">
+            <a:extLst>
+              <a:ext uri="{FF2B5EF4-FFF2-40B4-BE49-F238E27FC236}">
+                <a16:creationId xmlns:a16="http://schemas.microsoft.com/office/drawing/2014/main" id="{F5741254-3020-460A-BEAB-07E7578BBDE8}"/>
+              </a:ext>
+            </a:extLst>
+          </p:cNvPr>
+          <p:cNvPicPr>
+            <a:picLocks noChangeAspect="1"/>
+          </p:cNvPicPr>
+          <p:nvPr/>
+        </p:nvPicPr>
+        <p:blipFill rotWithShape="1">
+          <a:blip r:embed="rId2"/>
+          <a:srcRect l="-17210" t="-32383" r="-11449" b="3724"/>
+          <a:stretch/>
+        </p:blipFill>
+        <p:spPr>
+          <a:xfrm>
+            <a:off x="4191000" y="3657600"/>
+            <a:ext cx="5715000" cy="3078726"/>
+          </a:xfrm>
+          <a:prstGeom prst="rect">
+            <a:avLst/>
+          </a:prstGeom>
+        </p:spPr>
+      </p:pic>
+    </p:spTree>
+    <p:extLst>
+      <p:ext uri="{BB962C8B-B14F-4D97-AF65-F5344CB8AC3E}">
+        <p14:creationId xmlns:p14="http://schemas.microsoft.com/office/powerpoint/2010/main" val="2018074288"/>
+      </p:ext>
+    </p:extLst>
+  </p:cSld>
+  <p:clrMapOvr>
+    <a:masterClrMapping/>
+  </p:clrMapOvr>
+</p:sld>
+</file>
+
+<file path=ppt/slides/slide19.xml><?xml version="1.0" encoding="utf-8"?>
+<p:sld xmlns:a="http://schemas.openxmlformats.org/drawingml/2006/main" xmlns:r="http://schemas.openxmlformats.org/officeDocument/2006/relationships" xmlns:p="http://schemas.openxmlformats.org/presentationml/2006/main">
+  <p:cSld>
+    <p:spTree>
+      <p:nvGrpSpPr>
+        <p:cNvPr id="1" name=""/>
+        <p:cNvGrpSpPr/>
+        <p:nvPr/>
+      </p:nvGrpSpPr>
+      <p:grpSpPr>
+        <a:xfrm>
+          <a:off x="0" y="0"/>
+          <a:ext cx="0" cy="0"/>
+          <a:chOff x="0" y="0"/>
+          <a:chExt cx="0" cy="0"/>
+        </a:xfrm>
+      </p:grpSpPr>
+      <p:sp>
+        <p:nvSpPr>
           <p:cNvPr id="3" name="Subtitle 2">
             <a:extLst>
               <a:ext uri="{FF2B5EF4-FFF2-40B4-BE49-F238E27FC236}">
@@ -3812,1428 +4339,6 @@
 </p:sld>
 </file>
 
-<file path=ppt/slides/slide18.xml><?xml version="1.0" encoding="utf-8"?>
-<p:sld xmlns:a="http://schemas.openxmlformats.org/drawingml/2006/main" xmlns:r="http://schemas.openxmlformats.org/officeDocument/2006/relationships" xmlns:p="http://schemas.openxmlformats.org/presentationml/2006/main">
-  <p:cSld>
-    <p:spTree>
-      <p:nvGrpSpPr>
-        <p:cNvPr id="1" name=""/>
-        <p:cNvGrpSpPr/>
-        <p:nvPr/>
-      </p:nvGrpSpPr>
-      <p:grpSpPr>
-        <a:xfrm>
-          <a:off x="0" y="0"/>
-          <a:ext cx="0" cy="0"/>
-          <a:chOff x="0" y="0"/>
-          <a:chExt cx="0" cy="0"/>
-        </a:xfrm>
-      </p:grpSpPr>
-      <p:sp>
-        <p:nvSpPr>
-          <p:cNvPr id="2" name="object 2"/>
-          <p:cNvSpPr txBox="1"/>
-          <p:nvPr/>
-        </p:nvSpPr>
-        <p:spPr>
-          <a:xfrm>
-            <a:off x="2895600" y="184666"/>
-            <a:ext cx="10210800" cy="382156"/>
-          </a:xfrm>
-          <a:prstGeom prst="rect">
-            <a:avLst/>
-          </a:prstGeom>
-        </p:spPr>
-        <p:txBody>
-          <a:bodyPr vert="horz" wrap="square" lIns="0" tIns="12700" rIns="0" bIns="0" rtlCol="0">
-            <a:spAutoFit/>
-          </a:bodyPr>
-          <a:lstStyle/>
-          <a:p>
-            <a:pPr marL="12700">
-              <a:lnSpc>
-                <a:spcPct val="100000"/>
-              </a:lnSpc>
-              <a:spcBef>
-                <a:spcPts val="100"/>
-              </a:spcBef>
-            </a:pPr>
-            <a:r>
-              <a:rPr lang="fr-FR" sz="2400" dirty="0">
-                <a:solidFill>
-                  <a:schemeClr val="accent1">
-                    <a:lumMod val="75000"/>
-                  </a:schemeClr>
-                </a:solidFill>
-                <a:latin typeface="Trebuchet MS"/>
-                <a:cs typeface="Trebuchet MS"/>
-              </a:rPr>
-              <a:t>Java Concurrency Utilities - java.util.concurrent</a:t>
-            </a:r>
-            <a:endParaRPr lang="en-US" sz="2400" dirty="0">
-              <a:solidFill>
-                <a:schemeClr val="accent1">
-                  <a:lumMod val="75000"/>
-                </a:schemeClr>
-              </a:solidFill>
-              <a:latin typeface="Trebuchet MS"/>
-              <a:cs typeface="Trebuchet MS"/>
-            </a:endParaRPr>
-          </a:p>
-        </p:txBody>
-      </p:sp>
-      <p:sp>
-        <p:nvSpPr>
-          <p:cNvPr id="6" name="object 3">
-            <a:extLst>
-              <a:ext uri="{FF2B5EF4-FFF2-40B4-BE49-F238E27FC236}">
-                <a16:creationId xmlns:a16="http://schemas.microsoft.com/office/drawing/2014/main" id="{504C54EB-F689-45AF-9B50-A537385B0172}"/>
-              </a:ext>
-            </a:extLst>
-          </p:cNvPr>
-          <p:cNvSpPr txBox="1"/>
-          <p:nvPr/>
-        </p:nvSpPr>
-        <p:spPr>
-          <a:xfrm>
-            <a:off x="2895600" y="620104"/>
-            <a:ext cx="8561705" cy="5552802"/>
-          </a:xfrm>
-          <a:prstGeom prst="rect">
-            <a:avLst/>
-          </a:prstGeom>
-        </p:spPr>
-        <p:txBody>
-          <a:bodyPr vert="horz" wrap="square" lIns="0" tIns="12700" rIns="0" bIns="0" rtlCol="0">
-            <a:spAutoFit/>
-          </a:bodyPr>
-          <a:lstStyle/>
-          <a:p>
-            <a:pPr algn="l" fontAlgn="base"/>
-            <a:r>
-              <a:rPr lang="en-US" sz="1400" b="1" i="0" dirty="0">
-                <a:effectLst/>
-                <a:latin typeface="var(--font-din)"/>
-              </a:rPr>
-              <a:t>Java 5 added a new Java package to the Java platform, the </a:t>
-            </a:r>
-            <a:r>
-              <a:rPr lang="en-US" sz="1400" b="1" i="0" dirty="0" err="1">
-                <a:effectLst/>
-                <a:latin typeface="var(--font-din)"/>
-              </a:rPr>
-              <a:t>java.util.concurrent</a:t>
-            </a:r>
-            <a:r>
-              <a:rPr lang="en-US" sz="1400" b="1" i="0" dirty="0">
-                <a:effectLst/>
-                <a:latin typeface="var(--font-din)"/>
-              </a:rPr>
-              <a:t> package. This package contains a set of classes that makes it easier to develop concurrent (multithreaded) applications in Java. Before this package was added, you would have to program your utility classes yourself.</a:t>
-            </a:r>
-          </a:p>
-          <a:p>
-            <a:pPr algn="l" fontAlgn="base"/>
-            <a:endParaRPr lang="en-US" sz="1400" b="1" dirty="0">
-              <a:latin typeface="var(--font-din)"/>
-            </a:endParaRPr>
-          </a:p>
-          <a:p>
-            <a:pPr algn="l">
-              <a:buFont typeface="Arial" panose="020B0604020202020204" pitchFamily="34" charset="0"/>
-              <a:buChar char="•"/>
-            </a:pPr>
-            <a:r>
-              <a:rPr lang="en-US" sz="1000" b="1" i="0" u="none" strike="noStrike" dirty="0">
-                <a:solidFill>
-                  <a:srgbClr val="333399"/>
-                </a:solidFill>
-                <a:effectLst/>
-                <a:latin typeface="arial" panose="020B0604020202020204" pitchFamily="34" charset="0"/>
-                <a:hlinkClick r:id="rId2"/>
-              </a:rPr>
-              <a:t>Java </a:t>
-            </a:r>
-            <a:r>
-              <a:rPr lang="en-US" sz="1000" b="1" i="0" u="none" strike="noStrike" dirty="0" err="1">
-                <a:solidFill>
-                  <a:srgbClr val="333399"/>
-                </a:solidFill>
-                <a:effectLst/>
-                <a:latin typeface="arial" panose="020B0604020202020204" pitchFamily="34" charset="0"/>
-                <a:hlinkClick r:id="rId2"/>
-              </a:rPr>
-              <a:t>BlockingQueue</a:t>
-            </a:r>
-            <a:endParaRPr lang="en-US" sz="1000" b="0" i="0" dirty="0">
-              <a:solidFill>
-                <a:srgbClr val="000000"/>
-              </a:solidFill>
-              <a:effectLst/>
-              <a:latin typeface="arial" panose="020B0604020202020204" pitchFamily="34" charset="0"/>
-            </a:endParaRPr>
-          </a:p>
-          <a:p>
-            <a:pPr algn="l">
-              <a:buFont typeface="Arial" panose="020B0604020202020204" pitchFamily="34" charset="0"/>
-              <a:buChar char="•"/>
-            </a:pPr>
-            <a:r>
-              <a:rPr lang="en-US" sz="1000" b="1" i="0" u="none" strike="noStrike" dirty="0">
-                <a:solidFill>
-                  <a:srgbClr val="333399"/>
-                </a:solidFill>
-                <a:effectLst/>
-                <a:latin typeface="arial" panose="020B0604020202020204" pitchFamily="34" charset="0"/>
-                <a:hlinkClick r:id="rId3"/>
-              </a:rPr>
-              <a:t>Java </a:t>
-            </a:r>
-            <a:r>
-              <a:rPr lang="en-US" sz="1000" b="1" i="0" u="none" strike="noStrike" dirty="0" err="1">
-                <a:solidFill>
-                  <a:srgbClr val="333399"/>
-                </a:solidFill>
-                <a:effectLst/>
-                <a:latin typeface="arial" panose="020B0604020202020204" pitchFamily="34" charset="0"/>
-                <a:hlinkClick r:id="rId3"/>
-              </a:rPr>
-              <a:t>ArrayBlockingQueue</a:t>
-            </a:r>
-            <a:endParaRPr lang="en-US" sz="1000" b="0" i="0" dirty="0">
-              <a:solidFill>
-                <a:srgbClr val="000000"/>
-              </a:solidFill>
-              <a:effectLst/>
-              <a:latin typeface="arial" panose="020B0604020202020204" pitchFamily="34" charset="0"/>
-            </a:endParaRPr>
-          </a:p>
-          <a:p>
-            <a:pPr algn="l">
-              <a:buFont typeface="Arial" panose="020B0604020202020204" pitchFamily="34" charset="0"/>
-              <a:buChar char="•"/>
-            </a:pPr>
-            <a:r>
-              <a:rPr lang="en-US" sz="1000" b="1" i="0" u="none" strike="noStrike" dirty="0">
-                <a:solidFill>
-                  <a:srgbClr val="333399"/>
-                </a:solidFill>
-                <a:effectLst/>
-                <a:latin typeface="arial" panose="020B0604020202020204" pitchFamily="34" charset="0"/>
-                <a:hlinkClick r:id="rId4"/>
-              </a:rPr>
-              <a:t>Java </a:t>
-            </a:r>
-            <a:r>
-              <a:rPr lang="en-US" sz="1000" b="1" i="0" u="none" strike="noStrike" dirty="0" err="1">
-                <a:solidFill>
-                  <a:srgbClr val="333399"/>
-                </a:solidFill>
-                <a:effectLst/>
-                <a:latin typeface="arial" panose="020B0604020202020204" pitchFamily="34" charset="0"/>
-                <a:hlinkClick r:id="rId4"/>
-              </a:rPr>
-              <a:t>DelayQueue</a:t>
-            </a:r>
-            <a:endParaRPr lang="en-US" sz="1000" b="0" i="0" dirty="0">
-              <a:solidFill>
-                <a:srgbClr val="000000"/>
-              </a:solidFill>
-              <a:effectLst/>
-              <a:latin typeface="arial" panose="020B0604020202020204" pitchFamily="34" charset="0"/>
-            </a:endParaRPr>
-          </a:p>
-          <a:p>
-            <a:pPr algn="l">
-              <a:buFont typeface="Arial" panose="020B0604020202020204" pitchFamily="34" charset="0"/>
-              <a:buChar char="•"/>
-            </a:pPr>
-            <a:r>
-              <a:rPr lang="en-US" sz="1000" b="1" i="0" u="none" strike="noStrike" dirty="0">
-                <a:solidFill>
-                  <a:srgbClr val="333399"/>
-                </a:solidFill>
-                <a:effectLst/>
-                <a:latin typeface="arial" panose="020B0604020202020204" pitchFamily="34" charset="0"/>
-                <a:hlinkClick r:id="rId5"/>
-              </a:rPr>
-              <a:t>Java </a:t>
-            </a:r>
-            <a:r>
-              <a:rPr lang="en-US" sz="1000" b="1" i="0" u="none" strike="noStrike" dirty="0" err="1">
-                <a:solidFill>
-                  <a:srgbClr val="333399"/>
-                </a:solidFill>
-                <a:effectLst/>
-                <a:latin typeface="arial" panose="020B0604020202020204" pitchFamily="34" charset="0"/>
-                <a:hlinkClick r:id="rId5"/>
-              </a:rPr>
-              <a:t>LinkedBlockingQueue</a:t>
-            </a:r>
-            <a:endParaRPr lang="en-US" sz="1000" b="0" i="0" dirty="0">
-              <a:solidFill>
-                <a:srgbClr val="000000"/>
-              </a:solidFill>
-              <a:effectLst/>
-              <a:latin typeface="arial" panose="020B0604020202020204" pitchFamily="34" charset="0"/>
-            </a:endParaRPr>
-          </a:p>
-          <a:p>
-            <a:pPr algn="l">
-              <a:buFont typeface="Arial" panose="020B0604020202020204" pitchFamily="34" charset="0"/>
-              <a:buChar char="•"/>
-            </a:pPr>
-            <a:r>
-              <a:rPr lang="en-US" sz="1000" b="1" i="0" u="none" strike="noStrike" dirty="0">
-                <a:solidFill>
-                  <a:srgbClr val="333399"/>
-                </a:solidFill>
-                <a:effectLst/>
-                <a:latin typeface="arial" panose="020B0604020202020204" pitchFamily="34" charset="0"/>
-                <a:hlinkClick r:id="rId6"/>
-              </a:rPr>
-              <a:t>Java </a:t>
-            </a:r>
-            <a:r>
-              <a:rPr lang="en-US" sz="1000" b="1" i="0" u="none" strike="noStrike" dirty="0" err="1">
-                <a:solidFill>
-                  <a:srgbClr val="333399"/>
-                </a:solidFill>
-                <a:effectLst/>
-                <a:latin typeface="arial" panose="020B0604020202020204" pitchFamily="34" charset="0"/>
-                <a:hlinkClick r:id="rId6"/>
-              </a:rPr>
-              <a:t>PriorityBlockingQueue</a:t>
-            </a:r>
-            <a:endParaRPr lang="en-US" sz="1000" b="0" i="0" dirty="0">
-              <a:solidFill>
-                <a:srgbClr val="000000"/>
-              </a:solidFill>
-              <a:effectLst/>
-              <a:latin typeface="arial" panose="020B0604020202020204" pitchFamily="34" charset="0"/>
-            </a:endParaRPr>
-          </a:p>
-          <a:p>
-            <a:pPr algn="l">
-              <a:buFont typeface="Arial" panose="020B0604020202020204" pitchFamily="34" charset="0"/>
-              <a:buChar char="•"/>
-            </a:pPr>
-            <a:r>
-              <a:rPr lang="en-US" sz="1000" b="1" i="0" u="none" strike="noStrike" dirty="0">
-                <a:solidFill>
-                  <a:srgbClr val="333399"/>
-                </a:solidFill>
-                <a:effectLst/>
-                <a:latin typeface="arial" panose="020B0604020202020204" pitchFamily="34" charset="0"/>
-                <a:hlinkClick r:id="rId7"/>
-              </a:rPr>
-              <a:t>Java </a:t>
-            </a:r>
-            <a:r>
-              <a:rPr lang="en-US" sz="1000" b="1" i="0" u="none" strike="noStrike" dirty="0" err="1">
-                <a:solidFill>
-                  <a:srgbClr val="333399"/>
-                </a:solidFill>
-                <a:effectLst/>
-                <a:latin typeface="arial" panose="020B0604020202020204" pitchFamily="34" charset="0"/>
-                <a:hlinkClick r:id="rId7"/>
-              </a:rPr>
-              <a:t>SynchronousQueue</a:t>
-            </a:r>
-            <a:endParaRPr lang="en-US" sz="1000" b="0" i="0" dirty="0">
-              <a:solidFill>
-                <a:srgbClr val="000000"/>
-              </a:solidFill>
-              <a:effectLst/>
-              <a:latin typeface="arial" panose="020B0604020202020204" pitchFamily="34" charset="0"/>
-            </a:endParaRPr>
-          </a:p>
-          <a:p>
-            <a:pPr algn="l">
-              <a:buFont typeface="Arial" panose="020B0604020202020204" pitchFamily="34" charset="0"/>
-              <a:buChar char="•"/>
-            </a:pPr>
-            <a:r>
-              <a:rPr lang="en-US" sz="1000" b="1" i="0" u="none" strike="noStrike" dirty="0">
-                <a:solidFill>
-                  <a:srgbClr val="333399"/>
-                </a:solidFill>
-                <a:effectLst/>
-                <a:latin typeface="arial" panose="020B0604020202020204" pitchFamily="34" charset="0"/>
-                <a:hlinkClick r:id="rId8"/>
-              </a:rPr>
-              <a:t>Java </a:t>
-            </a:r>
-            <a:r>
-              <a:rPr lang="en-US" sz="1000" b="1" i="0" u="none" strike="noStrike" dirty="0" err="1">
-                <a:solidFill>
-                  <a:srgbClr val="333399"/>
-                </a:solidFill>
-                <a:effectLst/>
-                <a:latin typeface="arial" panose="020B0604020202020204" pitchFamily="34" charset="0"/>
-                <a:hlinkClick r:id="rId8"/>
-              </a:rPr>
-              <a:t>BlockingDeque</a:t>
-            </a:r>
-            <a:endParaRPr lang="en-US" sz="1000" b="0" i="0" dirty="0">
-              <a:solidFill>
-                <a:srgbClr val="000000"/>
-              </a:solidFill>
-              <a:effectLst/>
-              <a:latin typeface="arial" panose="020B0604020202020204" pitchFamily="34" charset="0"/>
-            </a:endParaRPr>
-          </a:p>
-          <a:p>
-            <a:pPr algn="l">
-              <a:buFont typeface="Arial" panose="020B0604020202020204" pitchFamily="34" charset="0"/>
-              <a:buChar char="•"/>
-            </a:pPr>
-            <a:r>
-              <a:rPr lang="en-US" sz="1000" b="1" i="0" u="none" strike="noStrike" dirty="0">
-                <a:solidFill>
-                  <a:srgbClr val="333399"/>
-                </a:solidFill>
-                <a:effectLst/>
-                <a:latin typeface="arial" panose="020B0604020202020204" pitchFamily="34" charset="0"/>
-                <a:hlinkClick r:id="rId9"/>
-              </a:rPr>
-              <a:t>Java </a:t>
-            </a:r>
-            <a:r>
-              <a:rPr lang="en-US" sz="1000" b="1" i="0" u="none" strike="noStrike" dirty="0" err="1">
-                <a:solidFill>
-                  <a:srgbClr val="333399"/>
-                </a:solidFill>
-                <a:effectLst/>
-                <a:latin typeface="arial" panose="020B0604020202020204" pitchFamily="34" charset="0"/>
-                <a:hlinkClick r:id="rId9"/>
-              </a:rPr>
-              <a:t>LinkedBlockingDeque</a:t>
-            </a:r>
-            <a:endParaRPr lang="en-US" sz="1000" b="0" i="0" dirty="0">
-              <a:solidFill>
-                <a:srgbClr val="000000"/>
-              </a:solidFill>
-              <a:effectLst/>
-              <a:latin typeface="arial" panose="020B0604020202020204" pitchFamily="34" charset="0"/>
-            </a:endParaRPr>
-          </a:p>
-          <a:p>
-            <a:pPr algn="l">
-              <a:buFont typeface="Arial" panose="020B0604020202020204" pitchFamily="34" charset="0"/>
-              <a:buChar char="•"/>
-            </a:pPr>
-            <a:r>
-              <a:rPr lang="en-US" sz="1000" b="1" i="0" u="none" strike="noStrike" dirty="0">
-                <a:solidFill>
-                  <a:srgbClr val="333399"/>
-                </a:solidFill>
-                <a:effectLst/>
-                <a:latin typeface="arial" panose="020B0604020202020204" pitchFamily="34" charset="0"/>
-                <a:hlinkClick r:id="rId10"/>
-              </a:rPr>
-              <a:t>Java </a:t>
-            </a:r>
-            <a:r>
-              <a:rPr lang="en-US" sz="1000" b="1" i="0" u="none" strike="noStrike" dirty="0" err="1">
-                <a:solidFill>
-                  <a:srgbClr val="333399"/>
-                </a:solidFill>
-                <a:effectLst/>
-                <a:latin typeface="arial" panose="020B0604020202020204" pitchFamily="34" charset="0"/>
-                <a:hlinkClick r:id="rId10"/>
-              </a:rPr>
-              <a:t>ConcurrentMap</a:t>
-            </a:r>
-            <a:endParaRPr lang="en-US" sz="1000" b="0" i="0" dirty="0">
-              <a:solidFill>
-                <a:srgbClr val="000000"/>
-              </a:solidFill>
-              <a:effectLst/>
-              <a:latin typeface="arial" panose="020B0604020202020204" pitchFamily="34" charset="0"/>
-            </a:endParaRPr>
-          </a:p>
-          <a:p>
-            <a:pPr algn="l">
-              <a:buFont typeface="Arial" panose="020B0604020202020204" pitchFamily="34" charset="0"/>
-              <a:buChar char="•"/>
-            </a:pPr>
-            <a:r>
-              <a:rPr lang="en-US" sz="1000" b="1" i="0" u="none" strike="noStrike" dirty="0">
-                <a:solidFill>
-                  <a:srgbClr val="333399"/>
-                </a:solidFill>
-                <a:effectLst/>
-                <a:latin typeface="arial" panose="020B0604020202020204" pitchFamily="34" charset="0"/>
-                <a:hlinkClick r:id="rId11"/>
-              </a:rPr>
-              <a:t>Java </a:t>
-            </a:r>
-            <a:r>
-              <a:rPr lang="en-US" sz="1000" b="1" i="0" u="none" strike="noStrike" dirty="0" err="1">
-                <a:solidFill>
-                  <a:srgbClr val="333399"/>
-                </a:solidFill>
-                <a:effectLst/>
-                <a:latin typeface="arial" panose="020B0604020202020204" pitchFamily="34" charset="0"/>
-                <a:hlinkClick r:id="rId11"/>
-              </a:rPr>
-              <a:t>ConcurrentNavigableMap</a:t>
-            </a:r>
-            <a:endParaRPr lang="en-US" sz="1000" b="0" i="0" dirty="0">
-              <a:solidFill>
-                <a:srgbClr val="000000"/>
-              </a:solidFill>
-              <a:effectLst/>
-              <a:latin typeface="arial" panose="020B0604020202020204" pitchFamily="34" charset="0"/>
-            </a:endParaRPr>
-          </a:p>
-          <a:p>
-            <a:pPr algn="l">
-              <a:buFont typeface="Arial" panose="020B0604020202020204" pitchFamily="34" charset="0"/>
-              <a:buChar char="•"/>
-            </a:pPr>
-            <a:r>
-              <a:rPr lang="en-US" sz="1000" b="1" i="0" u="none" strike="noStrike" dirty="0">
-                <a:solidFill>
-                  <a:srgbClr val="333399"/>
-                </a:solidFill>
-                <a:effectLst/>
-                <a:latin typeface="arial" panose="020B0604020202020204" pitchFamily="34" charset="0"/>
-                <a:hlinkClick r:id="rId12"/>
-              </a:rPr>
-              <a:t>Java </a:t>
-            </a:r>
-            <a:r>
-              <a:rPr lang="en-US" sz="1000" b="1" i="0" u="none" strike="noStrike" dirty="0" err="1">
-                <a:solidFill>
-                  <a:srgbClr val="333399"/>
-                </a:solidFill>
-                <a:effectLst/>
-                <a:latin typeface="arial" panose="020B0604020202020204" pitchFamily="34" charset="0"/>
-                <a:hlinkClick r:id="rId12"/>
-              </a:rPr>
-              <a:t>CountDownLatch</a:t>
-            </a:r>
-            <a:endParaRPr lang="en-US" sz="1000" b="0" i="0" dirty="0">
-              <a:solidFill>
-                <a:srgbClr val="000000"/>
-              </a:solidFill>
-              <a:effectLst/>
-              <a:latin typeface="arial" panose="020B0604020202020204" pitchFamily="34" charset="0"/>
-            </a:endParaRPr>
-          </a:p>
-          <a:p>
-            <a:pPr algn="l">
-              <a:buFont typeface="Arial" panose="020B0604020202020204" pitchFamily="34" charset="0"/>
-              <a:buChar char="•"/>
-            </a:pPr>
-            <a:r>
-              <a:rPr lang="en-US" sz="1000" b="1" i="0" u="none" strike="noStrike" dirty="0">
-                <a:solidFill>
-                  <a:srgbClr val="333399"/>
-                </a:solidFill>
-                <a:effectLst/>
-                <a:latin typeface="arial" panose="020B0604020202020204" pitchFamily="34" charset="0"/>
-                <a:hlinkClick r:id="rId13"/>
-              </a:rPr>
-              <a:t>Java </a:t>
-            </a:r>
-            <a:r>
-              <a:rPr lang="en-US" sz="1000" b="1" i="0" u="none" strike="noStrike" dirty="0" err="1">
-                <a:solidFill>
-                  <a:srgbClr val="333399"/>
-                </a:solidFill>
-                <a:effectLst/>
-                <a:latin typeface="arial" panose="020B0604020202020204" pitchFamily="34" charset="0"/>
-                <a:hlinkClick r:id="rId13"/>
-              </a:rPr>
-              <a:t>CyclicBarrier</a:t>
-            </a:r>
-            <a:endParaRPr lang="en-US" sz="1000" b="0" i="0" dirty="0">
-              <a:solidFill>
-                <a:srgbClr val="000000"/>
-              </a:solidFill>
-              <a:effectLst/>
-              <a:latin typeface="arial" panose="020B0604020202020204" pitchFamily="34" charset="0"/>
-            </a:endParaRPr>
-          </a:p>
-          <a:p>
-            <a:pPr algn="l">
-              <a:buFont typeface="Arial" panose="020B0604020202020204" pitchFamily="34" charset="0"/>
-              <a:buChar char="•"/>
-            </a:pPr>
-            <a:r>
-              <a:rPr lang="en-US" sz="1000" b="1" i="0" u="none" strike="noStrike" dirty="0">
-                <a:solidFill>
-                  <a:srgbClr val="333399"/>
-                </a:solidFill>
-                <a:effectLst/>
-                <a:latin typeface="arial" panose="020B0604020202020204" pitchFamily="34" charset="0"/>
-                <a:hlinkClick r:id="rId14"/>
-              </a:rPr>
-              <a:t>Java Exchanger</a:t>
-            </a:r>
-            <a:endParaRPr lang="en-US" sz="1000" b="0" i="0" dirty="0">
-              <a:solidFill>
-                <a:srgbClr val="000000"/>
-              </a:solidFill>
-              <a:effectLst/>
-              <a:latin typeface="arial" panose="020B0604020202020204" pitchFamily="34" charset="0"/>
-            </a:endParaRPr>
-          </a:p>
-          <a:p>
-            <a:pPr algn="l">
-              <a:buFont typeface="Arial" panose="020B0604020202020204" pitchFamily="34" charset="0"/>
-              <a:buChar char="•"/>
-            </a:pPr>
-            <a:r>
-              <a:rPr lang="en-US" sz="1000" b="1" i="0" u="none" strike="noStrike" dirty="0">
-                <a:solidFill>
-                  <a:srgbClr val="333399"/>
-                </a:solidFill>
-                <a:effectLst/>
-                <a:latin typeface="arial" panose="020B0604020202020204" pitchFamily="34" charset="0"/>
-                <a:hlinkClick r:id="rId15"/>
-              </a:rPr>
-              <a:t>Java Semaphore</a:t>
-            </a:r>
-            <a:endParaRPr lang="en-US" sz="1000" b="0" i="0" dirty="0">
-              <a:solidFill>
-                <a:srgbClr val="000000"/>
-              </a:solidFill>
-              <a:effectLst/>
-              <a:latin typeface="arial" panose="020B0604020202020204" pitchFamily="34" charset="0"/>
-            </a:endParaRPr>
-          </a:p>
-          <a:p>
-            <a:pPr algn="l">
-              <a:buFont typeface="Arial" panose="020B0604020202020204" pitchFamily="34" charset="0"/>
-              <a:buChar char="•"/>
-            </a:pPr>
-            <a:r>
-              <a:rPr lang="en-US" sz="1000" b="1" i="0" u="none" strike="noStrike" dirty="0">
-                <a:solidFill>
-                  <a:srgbClr val="333399"/>
-                </a:solidFill>
-                <a:effectLst/>
-                <a:latin typeface="arial" panose="020B0604020202020204" pitchFamily="34" charset="0"/>
-                <a:hlinkClick r:id="rId16"/>
-              </a:rPr>
-              <a:t>Java </a:t>
-            </a:r>
-            <a:r>
-              <a:rPr lang="en-US" sz="1000" b="1" i="0" u="none" strike="noStrike" dirty="0" err="1">
-                <a:solidFill>
-                  <a:srgbClr val="333399"/>
-                </a:solidFill>
-                <a:effectLst/>
-                <a:latin typeface="arial" panose="020B0604020202020204" pitchFamily="34" charset="0"/>
-                <a:hlinkClick r:id="rId16"/>
-              </a:rPr>
-              <a:t>ExecutorService</a:t>
-            </a:r>
-            <a:endParaRPr lang="en-US" sz="1000" b="0" i="0" dirty="0">
-              <a:solidFill>
-                <a:srgbClr val="000000"/>
-              </a:solidFill>
-              <a:effectLst/>
-              <a:latin typeface="arial" panose="020B0604020202020204" pitchFamily="34" charset="0"/>
-            </a:endParaRPr>
-          </a:p>
-          <a:p>
-            <a:pPr algn="l">
-              <a:buFont typeface="Arial" panose="020B0604020202020204" pitchFamily="34" charset="0"/>
-              <a:buChar char="•"/>
-            </a:pPr>
-            <a:r>
-              <a:rPr lang="en-US" sz="1000" b="1" i="0" u="none" strike="noStrike" dirty="0">
-                <a:solidFill>
-                  <a:srgbClr val="333399"/>
-                </a:solidFill>
-                <a:effectLst/>
-                <a:latin typeface="arial" panose="020B0604020202020204" pitchFamily="34" charset="0"/>
-                <a:hlinkClick r:id="rId17"/>
-              </a:rPr>
-              <a:t>Java Callable</a:t>
-            </a:r>
-            <a:endParaRPr lang="en-US" sz="1000" b="0" i="0" dirty="0">
-              <a:solidFill>
-                <a:srgbClr val="000000"/>
-              </a:solidFill>
-              <a:effectLst/>
-              <a:latin typeface="arial" panose="020B0604020202020204" pitchFamily="34" charset="0"/>
-            </a:endParaRPr>
-          </a:p>
-          <a:p>
-            <a:pPr algn="l">
-              <a:buFont typeface="Arial" panose="020B0604020202020204" pitchFamily="34" charset="0"/>
-              <a:buChar char="•"/>
-            </a:pPr>
-            <a:r>
-              <a:rPr lang="en-US" sz="1000" b="1" i="0" u="none" strike="noStrike" dirty="0">
-                <a:solidFill>
-                  <a:srgbClr val="333399"/>
-                </a:solidFill>
-                <a:effectLst/>
-                <a:latin typeface="arial" panose="020B0604020202020204" pitchFamily="34" charset="0"/>
-                <a:hlinkClick r:id="rId18"/>
-              </a:rPr>
-              <a:t>Java Future</a:t>
-            </a:r>
-            <a:endParaRPr lang="en-US" sz="1000" b="0" i="0" dirty="0">
-              <a:solidFill>
-                <a:srgbClr val="000000"/>
-              </a:solidFill>
-              <a:effectLst/>
-              <a:latin typeface="arial" panose="020B0604020202020204" pitchFamily="34" charset="0"/>
-            </a:endParaRPr>
-          </a:p>
-          <a:p>
-            <a:pPr algn="l">
-              <a:buFont typeface="Arial" panose="020B0604020202020204" pitchFamily="34" charset="0"/>
-              <a:buChar char="•"/>
-            </a:pPr>
-            <a:r>
-              <a:rPr lang="en-US" sz="1000" b="1" i="0" u="none" strike="noStrike" dirty="0">
-                <a:solidFill>
-                  <a:srgbClr val="333399"/>
-                </a:solidFill>
-                <a:effectLst/>
-                <a:latin typeface="arial" panose="020B0604020202020204" pitchFamily="34" charset="0"/>
-                <a:hlinkClick r:id="rId19"/>
-              </a:rPr>
-              <a:t>Java </a:t>
-            </a:r>
-            <a:r>
-              <a:rPr lang="en-US" sz="1000" b="1" i="0" u="none" strike="noStrike" dirty="0" err="1">
-                <a:solidFill>
-                  <a:srgbClr val="333399"/>
-                </a:solidFill>
-                <a:effectLst/>
-                <a:latin typeface="arial" panose="020B0604020202020204" pitchFamily="34" charset="0"/>
-                <a:hlinkClick r:id="rId19"/>
-              </a:rPr>
-              <a:t>ThreadPoolExecutor</a:t>
-            </a:r>
-            <a:endParaRPr lang="en-US" sz="1000" b="0" i="0" dirty="0">
-              <a:solidFill>
-                <a:srgbClr val="000000"/>
-              </a:solidFill>
-              <a:effectLst/>
-              <a:latin typeface="arial" panose="020B0604020202020204" pitchFamily="34" charset="0"/>
-            </a:endParaRPr>
-          </a:p>
-          <a:p>
-            <a:pPr algn="l">
-              <a:buFont typeface="Arial" panose="020B0604020202020204" pitchFamily="34" charset="0"/>
-              <a:buChar char="•"/>
-            </a:pPr>
-            <a:r>
-              <a:rPr lang="en-US" sz="1000" b="1" i="0" u="none" strike="noStrike" dirty="0">
-                <a:solidFill>
-                  <a:srgbClr val="333399"/>
-                </a:solidFill>
-                <a:effectLst/>
-                <a:latin typeface="arial" panose="020B0604020202020204" pitchFamily="34" charset="0"/>
-                <a:hlinkClick r:id="rId20"/>
-              </a:rPr>
-              <a:t>Java </a:t>
-            </a:r>
-            <a:r>
-              <a:rPr lang="en-US" sz="1000" b="1" i="0" u="none" strike="noStrike" dirty="0" err="1">
-                <a:solidFill>
-                  <a:srgbClr val="333399"/>
-                </a:solidFill>
-                <a:effectLst/>
-                <a:latin typeface="arial" panose="020B0604020202020204" pitchFamily="34" charset="0"/>
-                <a:hlinkClick r:id="rId20"/>
-              </a:rPr>
-              <a:t>ScheduledExecutorService</a:t>
-            </a:r>
-            <a:endParaRPr lang="en-US" sz="1000" b="0" i="0" dirty="0">
-              <a:solidFill>
-                <a:srgbClr val="000000"/>
-              </a:solidFill>
-              <a:effectLst/>
-              <a:latin typeface="arial" panose="020B0604020202020204" pitchFamily="34" charset="0"/>
-            </a:endParaRPr>
-          </a:p>
-          <a:p>
-            <a:pPr algn="l">
-              <a:buFont typeface="Arial" panose="020B0604020202020204" pitchFamily="34" charset="0"/>
-              <a:buChar char="•"/>
-            </a:pPr>
-            <a:r>
-              <a:rPr lang="en-US" sz="1000" b="1" i="0" u="none" strike="noStrike" dirty="0">
-                <a:solidFill>
-                  <a:srgbClr val="333399"/>
-                </a:solidFill>
-                <a:effectLst/>
-                <a:latin typeface="arial" panose="020B0604020202020204" pitchFamily="34" charset="0"/>
-                <a:hlinkClick r:id="rId21"/>
-              </a:rPr>
-              <a:t>Java </a:t>
-            </a:r>
-            <a:r>
-              <a:rPr lang="en-US" sz="1000" b="1" i="0" u="none" strike="noStrike" dirty="0" err="1">
-                <a:solidFill>
-                  <a:srgbClr val="333399"/>
-                </a:solidFill>
-                <a:effectLst/>
-                <a:latin typeface="arial" panose="020B0604020202020204" pitchFamily="34" charset="0"/>
-                <a:hlinkClick r:id="rId21"/>
-              </a:rPr>
-              <a:t>ForkJoinPool</a:t>
-            </a:r>
-            <a:endParaRPr lang="en-US" sz="1000" b="0" i="0" dirty="0">
-              <a:solidFill>
-                <a:srgbClr val="000000"/>
-              </a:solidFill>
-              <a:effectLst/>
-              <a:latin typeface="arial" panose="020B0604020202020204" pitchFamily="34" charset="0"/>
-            </a:endParaRPr>
-          </a:p>
-          <a:p>
-            <a:pPr algn="l">
-              <a:buFont typeface="Arial" panose="020B0604020202020204" pitchFamily="34" charset="0"/>
-              <a:buChar char="•"/>
-            </a:pPr>
-            <a:r>
-              <a:rPr lang="en-US" sz="1000" b="1" i="0" u="none" strike="noStrike" dirty="0">
-                <a:solidFill>
-                  <a:srgbClr val="333399"/>
-                </a:solidFill>
-                <a:effectLst/>
-                <a:latin typeface="arial" panose="020B0604020202020204" pitchFamily="34" charset="0"/>
-                <a:hlinkClick r:id="rId22"/>
-              </a:rPr>
-              <a:t>Java Lock</a:t>
-            </a:r>
-            <a:endParaRPr lang="en-US" sz="1000" b="0" i="0" dirty="0">
-              <a:solidFill>
-                <a:srgbClr val="000000"/>
-              </a:solidFill>
-              <a:effectLst/>
-              <a:latin typeface="arial" panose="020B0604020202020204" pitchFamily="34" charset="0"/>
-            </a:endParaRPr>
-          </a:p>
-          <a:p>
-            <a:pPr algn="l">
-              <a:buFont typeface="Arial" panose="020B0604020202020204" pitchFamily="34" charset="0"/>
-              <a:buChar char="•"/>
-            </a:pPr>
-            <a:r>
-              <a:rPr lang="en-US" sz="1000" b="1" i="0" u="none" strike="noStrike" dirty="0">
-                <a:solidFill>
-                  <a:srgbClr val="333399"/>
-                </a:solidFill>
-                <a:effectLst/>
-                <a:latin typeface="arial" panose="020B0604020202020204" pitchFamily="34" charset="0"/>
-                <a:hlinkClick r:id="rId23"/>
-              </a:rPr>
-              <a:t>Java </a:t>
-            </a:r>
-            <a:r>
-              <a:rPr lang="en-US" sz="1000" b="1" i="0" u="none" strike="noStrike" dirty="0" err="1">
-                <a:solidFill>
-                  <a:srgbClr val="333399"/>
-                </a:solidFill>
-                <a:effectLst/>
-                <a:latin typeface="arial" panose="020B0604020202020204" pitchFamily="34" charset="0"/>
-                <a:hlinkClick r:id="rId23"/>
-              </a:rPr>
-              <a:t>ReadWriteLock</a:t>
-            </a:r>
-            <a:endParaRPr lang="en-US" sz="1000" b="0" i="0" dirty="0">
-              <a:solidFill>
-                <a:srgbClr val="000000"/>
-              </a:solidFill>
-              <a:effectLst/>
-              <a:latin typeface="arial" panose="020B0604020202020204" pitchFamily="34" charset="0"/>
-            </a:endParaRPr>
-          </a:p>
-          <a:p>
-            <a:pPr algn="l">
-              <a:buFont typeface="Arial" panose="020B0604020202020204" pitchFamily="34" charset="0"/>
-              <a:buChar char="•"/>
-            </a:pPr>
-            <a:r>
-              <a:rPr lang="en-US" sz="1000" b="1" i="0" u="none" strike="noStrike" dirty="0">
-                <a:solidFill>
-                  <a:srgbClr val="333399"/>
-                </a:solidFill>
-                <a:effectLst/>
-                <a:latin typeface="arial" panose="020B0604020202020204" pitchFamily="34" charset="0"/>
-                <a:hlinkClick r:id="rId24"/>
-              </a:rPr>
-              <a:t>Java </a:t>
-            </a:r>
-            <a:r>
-              <a:rPr lang="en-US" sz="1000" b="1" i="0" u="none" strike="noStrike" dirty="0" err="1">
-                <a:solidFill>
-                  <a:srgbClr val="333399"/>
-                </a:solidFill>
-                <a:effectLst/>
-                <a:latin typeface="arial" panose="020B0604020202020204" pitchFamily="34" charset="0"/>
-                <a:hlinkClick r:id="rId24"/>
-              </a:rPr>
-              <a:t>AtomicInteger</a:t>
-            </a:r>
-            <a:endParaRPr lang="en-US" sz="1000" b="0" i="0" dirty="0">
-              <a:solidFill>
-                <a:srgbClr val="000000"/>
-              </a:solidFill>
-              <a:effectLst/>
-              <a:latin typeface="arial" panose="020B0604020202020204" pitchFamily="34" charset="0"/>
-            </a:endParaRPr>
-          </a:p>
-          <a:p>
-            <a:pPr algn="l">
-              <a:buFont typeface="Arial" panose="020B0604020202020204" pitchFamily="34" charset="0"/>
-              <a:buChar char="•"/>
-            </a:pPr>
-            <a:r>
-              <a:rPr lang="en-US" sz="1000" b="1" i="0" u="none" strike="noStrike" dirty="0">
-                <a:solidFill>
-                  <a:srgbClr val="333399"/>
-                </a:solidFill>
-                <a:effectLst/>
-                <a:latin typeface="arial" panose="020B0604020202020204" pitchFamily="34" charset="0"/>
-                <a:hlinkClick r:id="rId25"/>
-              </a:rPr>
-              <a:t>Java </a:t>
-            </a:r>
-            <a:r>
-              <a:rPr lang="en-US" sz="1000" b="1" i="0" u="none" strike="noStrike" dirty="0" err="1">
-                <a:solidFill>
-                  <a:srgbClr val="333399"/>
-                </a:solidFill>
-                <a:effectLst/>
-                <a:latin typeface="arial" panose="020B0604020202020204" pitchFamily="34" charset="0"/>
-                <a:hlinkClick r:id="rId25"/>
-              </a:rPr>
-              <a:t>AtomicLong</a:t>
-            </a:r>
-            <a:endParaRPr lang="en-US" sz="1000" b="0" i="0" dirty="0">
-              <a:solidFill>
-                <a:srgbClr val="000000"/>
-              </a:solidFill>
-              <a:effectLst/>
-              <a:latin typeface="arial" panose="020B0604020202020204" pitchFamily="34" charset="0"/>
-            </a:endParaRPr>
-          </a:p>
-          <a:p>
-            <a:pPr algn="l">
-              <a:buFont typeface="Arial" panose="020B0604020202020204" pitchFamily="34" charset="0"/>
-              <a:buChar char="•"/>
-            </a:pPr>
-            <a:r>
-              <a:rPr lang="en-US" sz="1000" b="1" i="0" u="none" strike="noStrike" dirty="0">
-                <a:solidFill>
-                  <a:srgbClr val="333399"/>
-                </a:solidFill>
-                <a:effectLst/>
-                <a:latin typeface="arial" panose="020B0604020202020204" pitchFamily="34" charset="0"/>
-                <a:hlinkClick r:id="rId26"/>
-              </a:rPr>
-              <a:t>Java </a:t>
-            </a:r>
-            <a:r>
-              <a:rPr lang="en-US" sz="1000" b="1" i="0" u="none" strike="noStrike" dirty="0" err="1">
-                <a:solidFill>
-                  <a:srgbClr val="333399"/>
-                </a:solidFill>
-                <a:effectLst/>
-                <a:latin typeface="arial" panose="020B0604020202020204" pitchFamily="34" charset="0"/>
-                <a:hlinkClick r:id="rId26"/>
-              </a:rPr>
-              <a:t>AtomicReference</a:t>
-            </a:r>
-            <a:endParaRPr lang="en-US" sz="1000" b="0" i="0" dirty="0">
-              <a:solidFill>
-                <a:srgbClr val="000000"/>
-              </a:solidFill>
-              <a:effectLst/>
-              <a:latin typeface="arial" panose="020B0604020202020204" pitchFamily="34" charset="0"/>
-            </a:endParaRPr>
-          </a:p>
-          <a:p>
-            <a:pPr algn="l">
-              <a:buFont typeface="Arial" panose="020B0604020202020204" pitchFamily="34" charset="0"/>
-              <a:buChar char="•"/>
-            </a:pPr>
-            <a:r>
-              <a:rPr lang="en-US" sz="1000" b="1" i="0" u="none" strike="noStrike" dirty="0">
-                <a:solidFill>
-                  <a:srgbClr val="333399"/>
-                </a:solidFill>
-                <a:effectLst/>
-                <a:latin typeface="arial" panose="020B0604020202020204" pitchFamily="34" charset="0"/>
-                <a:hlinkClick r:id="rId27"/>
-              </a:rPr>
-              <a:t>Java </a:t>
-            </a:r>
-            <a:r>
-              <a:rPr lang="en-US" sz="1000" b="1" i="0" u="none" strike="noStrike" dirty="0" err="1">
-                <a:solidFill>
-                  <a:srgbClr val="333399"/>
-                </a:solidFill>
-                <a:effectLst/>
-                <a:latin typeface="arial" panose="020B0604020202020204" pitchFamily="34" charset="0"/>
-                <a:hlinkClick r:id="rId27"/>
-              </a:rPr>
-              <a:t>AtomicStampedReference</a:t>
-            </a:r>
-            <a:endParaRPr lang="en-US" sz="1000" b="0" i="0" dirty="0">
-              <a:solidFill>
-                <a:srgbClr val="000000"/>
-              </a:solidFill>
-              <a:effectLst/>
-              <a:latin typeface="arial" panose="020B0604020202020204" pitchFamily="34" charset="0"/>
-            </a:endParaRPr>
-          </a:p>
-          <a:p>
-            <a:pPr algn="l">
-              <a:buFont typeface="Arial" panose="020B0604020202020204" pitchFamily="34" charset="0"/>
-              <a:buChar char="•"/>
-            </a:pPr>
-            <a:r>
-              <a:rPr lang="en-US" sz="1000" b="1" i="0" u="none" strike="noStrike" dirty="0">
-                <a:solidFill>
-                  <a:srgbClr val="333399"/>
-                </a:solidFill>
-                <a:effectLst/>
-                <a:latin typeface="arial" panose="020B0604020202020204" pitchFamily="34" charset="0"/>
-                <a:hlinkClick r:id="rId28"/>
-              </a:rPr>
-              <a:t>Java </a:t>
-            </a:r>
-            <a:r>
-              <a:rPr lang="en-US" sz="1000" b="1" i="0" u="none" strike="noStrike" dirty="0" err="1">
-                <a:solidFill>
-                  <a:srgbClr val="333399"/>
-                </a:solidFill>
-                <a:effectLst/>
-                <a:latin typeface="arial" panose="020B0604020202020204" pitchFamily="34" charset="0"/>
-                <a:hlinkClick r:id="rId28"/>
-              </a:rPr>
-              <a:t>AtomicIntegerArray</a:t>
-            </a:r>
-            <a:endParaRPr lang="en-US" sz="1000" b="0" i="0" dirty="0">
-              <a:solidFill>
-                <a:srgbClr val="000000"/>
-              </a:solidFill>
-              <a:effectLst/>
-              <a:latin typeface="arial" panose="020B0604020202020204" pitchFamily="34" charset="0"/>
-            </a:endParaRPr>
-          </a:p>
-          <a:p>
-            <a:pPr algn="l">
-              <a:buFont typeface="Arial" panose="020B0604020202020204" pitchFamily="34" charset="0"/>
-              <a:buChar char="•"/>
-            </a:pPr>
-            <a:r>
-              <a:rPr lang="en-US" sz="1000" b="1" i="0" u="none" strike="noStrike" dirty="0">
-                <a:solidFill>
-                  <a:srgbClr val="333399"/>
-                </a:solidFill>
-                <a:effectLst/>
-                <a:latin typeface="arial" panose="020B0604020202020204" pitchFamily="34" charset="0"/>
-                <a:hlinkClick r:id="rId29"/>
-              </a:rPr>
-              <a:t>Java </a:t>
-            </a:r>
-            <a:r>
-              <a:rPr lang="en-US" sz="1000" b="1" i="0" u="none" strike="noStrike" dirty="0" err="1">
-                <a:solidFill>
-                  <a:srgbClr val="333399"/>
-                </a:solidFill>
-                <a:effectLst/>
-                <a:latin typeface="arial" panose="020B0604020202020204" pitchFamily="34" charset="0"/>
-                <a:hlinkClick r:id="rId29"/>
-              </a:rPr>
-              <a:t>AtomicLongArray</a:t>
-            </a:r>
-            <a:endParaRPr lang="en-US" sz="1000" b="0" i="0" dirty="0">
-              <a:solidFill>
-                <a:srgbClr val="000000"/>
-              </a:solidFill>
-              <a:effectLst/>
-              <a:latin typeface="arial" panose="020B0604020202020204" pitchFamily="34" charset="0"/>
-            </a:endParaRPr>
-          </a:p>
-          <a:p>
-            <a:pPr algn="l">
-              <a:buFont typeface="Arial" panose="020B0604020202020204" pitchFamily="34" charset="0"/>
-              <a:buChar char="•"/>
-            </a:pPr>
-            <a:r>
-              <a:rPr lang="en-US" sz="1000" b="1" i="0" u="none" strike="noStrike" dirty="0">
-                <a:solidFill>
-                  <a:srgbClr val="333399"/>
-                </a:solidFill>
-                <a:effectLst/>
-                <a:latin typeface="arial" panose="020B0604020202020204" pitchFamily="34" charset="0"/>
-                <a:hlinkClick r:id="rId30"/>
-              </a:rPr>
-              <a:t>Java </a:t>
-            </a:r>
-            <a:r>
-              <a:rPr lang="en-US" sz="1000" b="1" i="0" u="none" strike="noStrike" dirty="0" err="1">
-                <a:solidFill>
-                  <a:srgbClr val="333399"/>
-                </a:solidFill>
-                <a:effectLst/>
-                <a:latin typeface="arial" panose="020B0604020202020204" pitchFamily="34" charset="0"/>
-                <a:hlinkClick r:id="rId30"/>
-              </a:rPr>
-              <a:t>AtomicReferenceArray</a:t>
-            </a:r>
-            <a:endParaRPr lang="en-US" sz="1000" b="0" i="0" dirty="0">
-              <a:solidFill>
-                <a:srgbClr val="000000"/>
-              </a:solidFill>
-              <a:effectLst/>
-              <a:latin typeface="arial" panose="020B0604020202020204" pitchFamily="34" charset="0"/>
-            </a:endParaRPr>
-          </a:p>
-          <a:p>
-            <a:pPr algn="l" fontAlgn="base"/>
-            <a:endParaRPr lang="en-US" sz="1400" b="0" i="0" dirty="0">
-              <a:effectLst/>
-              <a:latin typeface="var(--font-din)"/>
-            </a:endParaRPr>
-          </a:p>
-        </p:txBody>
-      </p:sp>
-    </p:spTree>
-    <p:extLst>
-      <p:ext uri="{BB962C8B-B14F-4D97-AF65-F5344CB8AC3E}">
-        <p14:creationId xmlns:p14="http://schemas.microsoft.com/office/powerpoint/2010/main" val="3858478804"/>
-      </p:ext>
-    </p:extLst>
-  </p:cSld>
-  <p:clrMapOvr>
-    <a:masterClrMapping/>
-  </p:clrMapOvr>
-</p:sld>
-</file>
-
-<file path=ppt/slides/slide19.xml><?xml version="1.0" encoding="utf-8"?>
-<p:sld xmlns:a="http://schemas.openxmlformats.org/drawingml/2006/main" xmlns:r="http://schemas.openxmlformats.org/officeDocument/2006/relationships" xmlns:p="http://schemas.openxmlformats.org/presentationml/2006/main">
-  <p:cSld>
-    <p:spTree>
-      <p:nvGrpSpPr>
-        <p:cNvPr id="1" name=""/>
-        <p:cNvGrpSpPr/>
-        <p:nvPr/>
-      </p:nvGrpSpPr>
-      <p:grpSpPr>
-        <a:xfrm>
-          <a:off x="0" y="0"/>
-          <a:ext cx="0" cy="0"/>
-          <a:chOff x="0" y="0"/>
-          <a:chExt cx="0" cy="0"/>
-        </a:xfrm>
-      </p:grpSpPr>
-      <p:sp>
-        <p:nvSpPr>
-          <p:cNvPr id="2" name="object 2"/>
-          <p:cNvSpPr txBox="1"/>
-          <p:nvPr/>
-        </p:nvSpPr>
-        <p:spPr>
-          <a:xfrm>
-            <a:off x="2895600" y="184666"/>
-            <a:ext cx="10210800" cy="382156"/>
-          </a:xfrm>
-          <a:prstGeom prst="rect">
-            <a:avLst/>
-          </a:prstGeom>
-        </p:spPr>
-        <p:txBody>
-          <a:bodyPr vert="horz" wrap="square" lIns="0" tIns="12700" rIns="0" bIns="0" rtlCol="0">
-            <a:spAutoFit/>
-          </a:bodyPr>
-          <a:lstStyle/>
-          <a:p>
-            <a:pPr marL="12700" algn="ctr">
-              <a:lnSpc>
-                <a:spcPct val="100000"/>
-              </a:lnSpc>
-              <a:spcBef>
-                <a:spcPts val="100"/>
-              </a:spcBef>
-            </a:pPr>
-            <a:r>
-              <a:rPr lang="en-US" sz="2400" dirty="0">
-                <a:solidFill>
-                  <a:schemeClr val="accent1">
-                    <a:lumMod val="75000"/>
-                  </a:schemeClr>
-                </a:solidFill>
-                <a:latin typeface="Trebuchet MS"/>
-                <a:cs typeface="Trebuchet MS"/>
-              </a:rPr>
-              <a:t>Sources </a:t>
-            </a:r>
-            <a:endParaRPr sz="2400" dirty="0">
-              <a:solidFill>
-                <a:schemeClr val="accent1">
-                  <a:lumMod val="75000"/>
-                </a:schemeClr>
-              </a:solidFill>
-              <a:latin typeface="Trebuchet MS"/>
-              <a:cs typeface="Trebuchet MS"/>
-            </a:endParaRPr>
-          </a:p>
-        </p:txBody>
-      </p:sp>
-      <p:sp>
-        <p:nvSpPr>
-          <p:cNvPr id="5" name="object 3">
-            <a:extLst>
-              <a:ext uri="{FF2B5EF4-FFF2-40B4-BE49-F238E27FC236}">
-                <a16:creationId xmlns:a16="http://schemas.microsoft.com/office/drawing/2014/main" id="{2357900F-F768-44CD-AD98-5F5A243C9030}"/>
-              </a:ext>
-            </a:extLst>
-          </p:cNvPr>
-          <p:cNvSpPr txBox="1"/>
-          <p:nvPr/>
-        </p:nvSpPr>
-        <p:spPr>
-          <a:xfrm>
-            <a:off x="3048000" y="990600"/>
-            <a:ext cx="8561705" cy="3357329"/>
-          </a:xfrm>
-          <a:prstGeom prst="rect">
-            <a:avLst/>
-          </a:prstGeom>
-        </p:spPr>
-        <p:txBody>
-          <a:bodyPr vert="horz" wrap="square" lIns="0" tIns="12700" rIns="0" bIns="0" rtlCol="0">
-            <a:spAutoFit/>
-          </a:bodyPr>
-          <a:lstStyle/>
-          <a:p>
-            <a:pPr marL="355600" marR="5080" indent="-342900">
-              <a:spcBef>
-                <a:spcPts val="100"/>
-              </a:spcBef>
-            </a:pPr>
-            <a:r>
-              <a:rPr lang="en-US" sz="1200" b="1" dirty="0">
-                <a:latin typeface="Arial Black" panose="020B0A04020102020204" pitchFamily="34" charset="0"/>
-                <a:cs typeface="Arial"/>
-                <a:hlinkClick r:id="rId2"/>
-              </a:rPr>
-              <a:t>https://www.geeksforgeeks.org/daemon-thread-java/?ref=lbp</a:t>
-            </a:r>
-            <a:endParaRPr lang="en-US" sz="1200" b="1" dirty="0">
-              <a:latin typeface="Arial Black" panose="020B0A04020102020204" pitchFamily="34" charset="0"/>
-              <a:cs typeface="Arial"/>
-            </a:endParaRPr>
-          </a:p>
-          <a:p>
-            <a:pPr marL="355600" marR="5080" indent="-342900">
-              <a:spcBef>
-                <a:spcPts val="100"/>
-              </a:spcBef>
-            </a:pPr>
-            <a:endParaRPr lang="en-US" sz="1200" b="1" dirty="0">
-              <a:latin typeface="Arial Black" panose="020B0A04020102020204" pitchFamily="34" charset="0"/>
-              <a:cs typeface="Arial"/>
-            </a:endParaRPr>
-          </a:p>
-          <a:p>
-            <a:pPr marL="355600" marR="5080" indent="-342900">
-              <a:spcBef>
-                <a:spcPts val="100"/>
-              </a:spcBef>
-            </a:pPr>
-            <a:r>
-              <a:rPr lang="en-US" sz="1200" b="1" dirty="0">
-                <a:latin typeface="Arial Black" panose="020B0A04020102020204" pitchFamily="34" charset="0"/>
-                <a:cs typeface="Arial"/>
-                <a:hlinkClick r:id="rId3"/>
-              </a:rPr>
-              <a:t>http://tutorials.jenkov.com/java-util-concurrent/index.html</a:t>
-            </a:r>
-            <a:endParaRPr lang="en-US" sz="1200" b="1" dirty="0">
-              <a:latin typeface="Arial Black" panose="020B0A04020102020204" pitchFamily="34" charset="0"/>
-              <a:cs typeface="Arial"/>
-            </a:endParaRPr>
-          </a:p>
-          <a:p>
-            <a:pPr marL="355600" marR="5080" indent="-342900">
-              <a:spcBef>
-                <a:spcPts val="100"/>
-              </a:spcBef>
-            </a:pPr>
-            <a:endParaRPr lang="en-US" sz="1200" b="1" dirty="0">
-              <a:latin typeface="Arial Black" panose="020B0A04020102020204" pitchFamily="34" charset="0"/>
-              <a:cs typeface="Arial"/>
-            </a:endParaRPr>
-          </a:p>
-          <a:p>
-            <a:pPr marL="355600" marR="5080" indent="-342900">
-              <a:spcBef>
-                <a:spcPts val="100"/>
-              </a:spcBef>
-            </a:pPr>
-            <a:endParaRPr lang="en-US" sz="1200" b="1" dirty="0">
-              <a:latin typeface="Arial Black" panose="020B0A04020102020204" pitchFamily="34" charset="0"/>
-              <a:cs typeface="Arial"/>
-            </a:endParaRPr>
-          </a:p>
-          <a:p>
-            <a:pPr marL="355600" marR="5080" indent="-342900">
-              <a:spcBef>
-                <a:spcPts val="100"/>
-              </a:spcBef>
-            </a:pPr>
-            <a:endParaRPr lang="en-US" sz="1200" b="1" dirty="0">
-              <a:latin typeface="Arial Black" panose="020B0A04020102020204" pitchFamily="34" charset="0"/>
-              <a:cs typeface="Arial"/>
-            </a:endParaRPr>
-          </a:p>
-          <a:p>
-            <a:pPr marL="355600" marR="5080" indent="-342900">
-              <a:spcBef>
-                <a:spcPts val="100"/>
-              </a:spcBef>
-            </a:pPr>
-            <a:endParaRPr lang="en-US" sz="1200" b="1" dirty="0">
-              <a:latin typeface="Arial Black" panose="020B0A04020102020204" pitchFamily="34" charset="0"/>
-              <a:cs typeface="Arial"/>
-            </a:endParaRPr>
-          </a:p>
-          <a:p>
-            <a:pPr marL="355600" marR="5080" indent="-342900">
-              <a:spcBef>
-                <a:spcPts val="100"/>
-              </a:spcBef>
-            </a:pPr>
-            <a:endParaRPr lang="en-US" sz="1200" b="1" dirty="0">
-              <a:latin typeface="Arial Black" panose="020B0A04020102020204" pitchFamily="34" charset="0"/>
-              <a:cs typeface="Arial"/>
-            </a:endParaRPr>
-          </a:p>
-          <a:p>
-            <a:pPr marL="355600" marR="5080" indent="-342900">
-              <a:spcBef>
-                <a:spcPts val="100"/>
-              </a:spcBef>
-            </a:pPr>
-            <a:endParaRPr lang="en-US" sz="1200" b="1" dirty="0">
-              <a:latin typeface="Arial Black" panose="020B0A04020102020204" pitchFamily="34" charset="0"/>
-              <a:cs typeface="Arial"/>
-            </a:endParaRPr>
-          </a:p>
-          <a:p>
-            <a:pPr marL="355600" marR="5080" indent="-342900">
-              <a:spcBef>
-                <a:spcPts val="100"/>
-              </a:spcBef>
-            </a:pPr>
-            <a:endParaRPr lang="en-US" sz="1200" b="1" dirty="0">
-              <a:latin typeface="Arial Black" panose="020B0A04020102020204" pitchFamily="34" charset="0"/>
-              <a:cs typeface="Arial"/>
-            </a:endParaRPr>
-          </a:p>
-          <a:p>
-            <a:pPr marL="355600" marR="5080" indent="-342900">
-              <a:spcBef>
-                <a:spcPts val="100"/>
-              </a:spcBef>
-            </a:pPr>
-            <a:endParaRPr lang="en-US" sz="1200" b="1" dirty="0">
-              <a:latin typeface="Arial Black" panose="020B0A04020102020204" pitchFamily="34" charset="0"/>
-              <a:cs typeface="Arial"/>
-            </a:endParaRPr>
-          </a:p>
-          <a:p>
-            <a:pPr marL="355600" marR="5080" indent="-342900">
-              <a:spcBef>
-                <a:spcPts val="100"/>
-              </a:spcBef>
-            </a:pPr>
-            <a:endParaRPr lang="en-US" sz="1200" b="1" dirty="0">
-              <a:latin typeface="Arial Black" panose="020B0A04020102020204" pitchFamily="34" charset="0"/>
-              <a:cs typeface="Arial"/>
-            </a:endParaRPr>
-          </a:p>
-          <a:p>
-            <a:pPr marL="355600" marR="5080" indent="-342900">
-              <a:spcBef>
-                <a:spcPts val="100"/>
-              </a:spcBef>
-            </a:pPr>
-            <a:endParaRPr lang="en-US" sz="1200" b="1" dirty="0">
-              <a:latin typeface="Arial Black" panose="020B0A04020102020204" pitchFamily="34" charset="0"/>
-              <a:cs typeface="Arial"/>
-            </a:endParaRPr>
-          </a:p>
-          <a:p>
-            <a:pPr marL="355600" marR="5080" indent="-342900">
-              <a:spcBef>
-                <a:spcPts val="100"/>
-              </a:spcBef>
-            </a:pPr>
-            <a:endParaRPr lang="en-US" sz="1200" b="1" dirty="0">
-              <a:latin typeface="Arial Black" panose="020B0A04020102020204" pitchFamily="34" charset="0"/>
-              <a:cs typeface="Arial"/>
-            </a:endParaRPr>
-          </a:p>
-          <a:p>
-            <a:pPr marL="355600" marR="5080" indent="-342900">
-              <a:spcBef>
-                <a:spcPts val="100"/>
-              </a:spcBef>
-            </a:pPr>
-            <a:endParaRPr lang="en-US" sz="1200" b="1" dirty="0">
-              <a:latin typeface="Arial Black" panose="020B0A04020102020204" pitchFamily="34" charset="0"/>
-              <a:cs typeface="Arial"/>
-            </a:endParaRPr>
-          </a:p>
-          <a:p>
-            <a:pPr marL="355600" marR="5080" indent="-342900">
-              <a:spcBef>
-                <a:spcPts val="100"/>
-              </a:spcBef>
-            </a:pPr>
-            <a:endParaRPr lang="en-US" sz="1200" b="1" dirty="0">
-              <a:latin typeface="Arial Black" panose="020B0A04020102020204" pitchFamily="34" charset="0"/>
-              <a:cs typeface="Arial"/>
-            </a:endParaRPr>
-          </a:p>
-          <a:p>
-            <a:pPr marL="355600" marR="5080" indent="-342900">
-              <a:spcBef>
-                <a:spcPts val="100"/>
-              </a:spcBef>
-            </a:pPr>
-            <a:endParaRPr lang="en-US" sz="1200" b="1" dirty="0">
-              <a:latin typeface="Arial Black" panose="020B0A04020102020204" pitchFamily="34" charset="0"/>
-              <a:cs typeface="Arial"/>
-            </a:endParaRPr>
-          </a:p>
-        </p:txBody>
-      </p:sp>
-    </p:spTree>
-    <p:extLst>
-      <p:ext uri="{BB962C8B-B14F-4D97-AF65-F5344CB8AC3E}">
-        <p14:creationId xmlns:p14="http://schemas.microsoft.com/office/powerpoint/2010/main" val="682994553"/>
-      </p:ext>
-    </p:extLst>
-  </p:cSld>
-  <p:clrMapOvr>
-    <a:masterClrMapping/>
-  </p:clrMapOvr>
-</p:sld>
-</file>
-
 <file path=ppt/slides/slide2.xml><?xml version="1.0" encoding="utf-8"?>
 <p:sld xmlns:a="http://schemas.openxmlformats.org/drawingml/2006/main" xmlns:r="http://schemas.openxmlformats.org/officeDocument/2006/relationships" xmlns:p="http://schemas.openxmlformats.org/presentationml/2006/main">
   <p:cSld>
@@ -5351,6 +4456,1480 @@
   <p:transition spd="slow">
     <p:cover/>
   </p:transition>
+</p:sld>
+</file>
+
+<file path=ppt/slides/slide20.xml><?xml version="1.0" encoding="utf-8"?>
+<p:sld xmlns:a="http://schemas.openxmlformats.org/drawingml/2006/main" xmlns:r="http://schemas.openxmlformats.org/officeDocument/2006/relationships" xmlns:p="http://schemas.openxmlformats.org/presentationml/2006/main">
+  <p:cSld>
+    <p:spTree>
+      <p:nvGrpSpPr>
+        <p:cNvPr id="1" name=""/>
+        <p:cNvGrpSpPr/>
+        <p:nvPr/>
+      </p:nvGrpSpPr>
+      <p:grpSpPr>
+        <a:xfrm>
+          <a:off x="0" y="0"/>
+          <a:ext cx="0" cy="0"/>
+          <a:chOff x="0" y="0"/>
+          <a:chExt cx="0" cy="0"/>
+        </a:xfrm>
+      </p:grpSpPr>
+      <p:sp>
+        <p:nvSpPr>
+          <p:cNvPr id="2" name="object 2"/>
+          <p:cNvSpPr txBox="1"/>
+          <p:nvPr/>
+        </p:nvSpPr>
+        <p:spPr>
+          <a:xfrm>
+            <a:off x="2895600" y="184666"/>
+            <a:ext cx="10210800" cy="382156"/>
+          </a:xfrm>
+          <a:prstGeom prst="rect">
+            <a:avLst/>
+          </a:prstGeom>
+        </p:spPr>
+        <p:txBody>
+          <a:bodyPr vert="horz" wrap="square" lIns="0" tIns="12700" rIns="0" bIns="0" rtlCol="0">
+            <a:spAutoFit/>
+          </a:bodyPr>
+          <a:lstStyle/>
+          <a:p>
+            <a:pPr marL="12700">
+              <a:lnSpc>
+                <a:spcPct val="100000"/>
+              </a:lnSpc>
+              <a:spcBef>
+                <a:spcPts val="100"/>
+              </a:spcBef>
+            </a:pPr>
+            <a:r>
+              <a:rPr lang="fr-FR" sz="2400" dirty="0">
+                <a:solidFill>
+                  <a:schemeClr val="accent1">
+                    <a:lumMod val="75000"/>
+                  </a:schemeClr>
+                </a:solidFill>
+                <a:latin typeface="Trebuchet MS"/>
+                <a:cs typeface="Trebuchet MS"/>
+              </a:rPr>
+              <a:t>Java Concurrency Utilities - java.util.concurrent</a:t>
+            </a:r>
+            <a:endParaRPr lang="en-US" sz="2400" dirty="0">
+              <a:solidFill>
+                <a:schemeClr val="accent1">
+                  <a:lumMod val="75000"/>
+                </a:schemeClr>
+              </a:solidFill>
+              <a:latin typeface="Trebuchet MS"/>
+              <a:cs typeface="Trebuchet MS"/>
+            </a:endParaRPr>
+          </a:p>
+        </p:txBody>
+      </p:sp>
+      <p:sp>
+        <p:nvSpPr>
+          <p:cNvPr id="6" name="object 3">
+            <a:extLst>
+              <a:ext uri="{FF2B5EF4-FFF2-40B4-BE49-F238E27FC236}">
+                <a16:creationId xmlns:a16="http://schemas.microsoft.com/office/drawing/2014/main" id="{504C54EB-F689-45AF-9B50-A537385B0172}"/>
+              </a:ext>
+            </a:extLst>
+          </p:cNvPr>
+          <p:cNvSpPr txBox="1"/>
+          <p:nvPr/>
+        </p:nvSpPr>
+        <p:spPr>
+          <a:xfrm>
+            <a:off x="2895600" y="620104"/>
+            <a:ext cx="8561705" cy="5552802"/>
+          </a:xfrm>
+          <a:prstGeom prst="rect">
+            <a:avLst/>
+          </a:prstGeom>
+        </p:spPr>
+        <p:txBody>
+          <a:bodyPr vert="horz" wrap="square" lIns="0" tIns="12700" rIns="0" bIns="0" rtlCol="0">
+            <a:spAutoFit/>
+          </a:bodyPr>
+          <a:lstStyle/>
+          <a:p>
+            <a:pPr algn="l" fontAlgn="base"/>
+            <a:r>
+              <a:rPr lang="en-US" sz="1400" b="1" i="0" dirty="0">
+                <a:effectLst/>
+                <a:latin typeface="var(--font-din)"/>
+              </a:rPr>
+              <a:t>Java 5 added a new Java package to the Java platform, the </a:t>
+            </a:r>
+            <a:r>
+              <a:rPr lang="en-US" sz="1400" b="1" i="0" dirty="0" err="1">
+                <a:effectLst/>
+                <a:latin typeface="var(--font-din)"/>
+              </a:rPr>
+              <a:t>java.util.concurrent</a:t>
+            </a:r>
+            <a:r>
+              <a:rPr lang="en-US" sz="1400" b="1" i="0" dirty="0">
+                <a:effectLst/>
+                <a:latin typeface="var(--font-din)"/>
+              </a:rPr>
+              <a:t> package. This package contains a set of classes that makes it easier to develop concurrent (multithreaded) applications in Java. Before this package was added, you would have to program your utility classes yourself.</a:t>
+            </a:r>
+          </a:p>
+          <a:p>
+            <a:pPr algn="l" fontAlgn="base"/>
+            <a:endParaRPr lang="en-US" sz="1400" b="1" dirty="0">
+              <a:latin typeface="var(--font-din)"/>
+            </a:endParaRPr>
+          </a:p>
+          <a:p>
+            <a:pPr algn="l">
+              <a:buFont typeface="Arial" panose="020B0604020202020204" pitchFamily="34" charset="0"/>
+              <a:buChar char="•"/>
+            </a:pPr>
+            <a:r>
+              <a:rPr lang="en-US" sz="1000" b="1" i="0" u="none" strike="noStrike" dirty="0">
+                <a:solidFill>
+                  <a:srgbClr val="333399"/>
+                </a:solidFill>
+                <a:effectLst/>
+                <a:latin typeface="arial" panose="020B0604020202020204" pitchFamily="34" charset="0"/>
+                <a:hlinkClick r:id="rId2"/>
+              </a:rPr>
+              <a:t>Java </a:t>
+            </a:r>
+            <a:r>
+              <a:rPr lang="en-US" sz="1000" b="1" i="0" u="none" strike="noStrike" dirty="0" err="1">
+                <a:solidFill>
+                  <a:srgbClr val="333399"/>
+                </a:solidFill>
+                <a:effectLst/>
+                <a:latin typeface="arial" panose="020B0604020202020204" pitchFamily="34" charset="0"/>
+                <a:hlinkClick r:id="rId2"/>
+              </a:rPr>
+              <a:t>BlockingQueue</a:t>
+            </a:r>
+            <a:endParaRPr lang="en-US" sz="1000" b="0" i="0" dirty="0">
+              <a:solidFill>
+                <a:srgbClr val="000000"/>
+              </a:solidFill>
+              <a:effectLst/>
+              <a:latin typeface="arial" panose="020B0604020202020204" pitchFamily="34" charset="0"/>
+            </a:endParaRPr>
+          </a:p>
+          <a:p>
+            <a:pPr algn="l">
+              <a:buFont typeface="Arial" panose="020B0604020202020204" pitchFamily="34" charset="0"/>
+              <a:buChar char="•"/>
+            </a:pPr>
+            <a:r>
+              <a:rPr lang="en-US" sz="1000" b="1" i="0" u="none" strike="noStrike" dirty="0">
+                <a:solidFill>
+                  <a:srgbClr val="333399"/>
+                </a:solidFill>
+                <a:effectLst/>
+                <a:latin typeface="arial" panose="020B0604020202020204" pitchFamily="34" charset="0"/>
+                <a:hlinkClick r:id="rId3"/>
+              </a:rPr>
+              <a:t>Java </a:t>
+            </a:r>
+            <a:r>
+              <a:rPr lang="en-US" sz="1000" b="1" i="0" u="none" strike="noStrike" dirty="0" err="1">
+                <a:solidFill>
+                  <a:srgbClr val="333399"/>
+                </a:solidFill>
+                <a:effectLst/>
+                <a:latin typeface="arial" panose="020B0604020202020204" pitchFamily="34" charset="0"/>
+                <a:hlinkClick r:id="rId3"/>
+              </a:rPr>
+              <a:t>ArrayBlockingQueue</a:t>
+            </a:r>
+            <a:endParaRPr lang="en-US" sz="1000" b="0" i="0" dirty="0">
+              <a:solidFill>
+                <a:srgbClr val="000000"/>
+              </a:solidFill>
+              <a:effectLst/>
+              <a:latin typeface="arial" panose="020B0604020202020204" pitchFamily="34" charset="0"/>
+            </a:endParaRPr>
+          </a:p>
+          <a:p>
+            <a:pPr algn="l">
+              <a:buFont typeface="Arial" panose="020B0604020202020204" pitchFamily="34" charset="0"/>
+              <a:buChar char="•"/>
+            </a:pPr>
+            <a:r>
+              <a:rPr lang="en-US" sz="1000" b="1" i="0" u="none" strike="noStrike" dirty="0">
+                <a:solidFill>
+                  <a:srgbClr val="333399"/>
+                </a:solidFill>
+                <a:effectLst/>
+                <a:latin typeface="arial" panose="020B0604020202020204" pitchFamily="34" charset="0"/>
+                <a:hlinkClick r:id="rId4"/>
+              </a:rPr>
+              <a:t>Java </a:t>
+            </a:r>
+            <a:r>
+              <a:rPr lang="en-US" sz="1000" b="1" i="0" u="none" strike="noStrike" dirty="0" err="1">
+                <a:solidFill>
+                  <a:srgbClr val="333399"/>
+                </a:solidFill>
+                <a:effectLst/>
+                <a:latin typeface="arial" panose="020B0604020202020204" pitchFamily="34" charset="0"/>
+                <a:hlinkClick r:id="rId4"/>
+              </a:rPr>
+              <a:t>DelayQueue</a:t>
+            </a:r>
+            <a:endParaRPr lang="en-US" sz="1000" b="0" i="0" dirty="0">
+              <a:solidFill>
+                <a:srgbClr val="000000"/>
+              </a:solidFill>
+              <a:effectLst/>
+              <a:latin typeface="arial" panose="020B0604020202020204" pitchFamily="34" charset="0"/>
+            </a:endParaRPr>
+          </a:p>
+          <a:p>
+            <a:pPr algn="l">
+              <a:buFont typeface="Arial" panose="020B0604020202020204" pitchFamily="34" charset="0"/>
+              <a:buChar char="•"/>
+            </a:pPr>
+            <a:r>
+              <a:rPr lang="en-US" sz="1000" b="1" i="0" u="none" strike="noStrike" dirty="0">
+                <a:solidFill>
+                  <a:srgbClr val="333399"/>
+                </a:solidFill>
+                <a:effectLst/>
+                <a:latin typeface="arial" panose="020B0604020202020204" pitchFamily="34" charset="0"/>
+                <a:hlinkClick r:id="rId5"/>
+              </a:rPr>
+              <a:t>Java </a:t>
+            </a:r>
+            <a:r>
+              <a:rPr lang="en-US" sz="1000" b="1" i="0" u="none" strike="noStrike" dirty="0" err="1">
+                <a:solidFill>
+                  <a:srgbClr val="333399"/>
+                </a:solidFill>
+                <a:effectLst/>
+                <a:latin typeface="arial" panose="020B0604020202020204" pitchFamily="34" charset="0"/>
+                <a:hlinkClick r:id="rId5"/>
+              </a:rPr>
+              <a:t>LinkedBlockingQueue</a:t>
+            </a:r>
+            <a:endParaRPr lang="en-US" sz="1000" b="0" i="0" dirty="0">
+              <a:solidFill>
+                <a:srgbClr val="000000"/>
+              </a:solidFill>
+              <a:effectLst/>
+              <a:latin typeface="arial" panose="020B0604020202020204" pitchFamily="34" charset="0"/>
+            </a:endParaRPr>
+          </a:p>
+          <a:p>
+            <a:pPr algn="l">
+              <a:buFont typeface="Arial" panose="020B0604020202020204" pitchFamily="34" charset="0"/>
+              <a:buChar char="•"/>
+            </a:pPr>
+            <a:r>
+              <a:rPr lang="en-US" sz="1000" b="1" i="0" u="none" strike="noStrike" dirty="0">
+                <a:solidFill>
+                  <a:srgbClr val="333399"/>
+                </a:solidFill>
+                <a:effectLst/>
+                <a:latin typeface="arial" panose="020B0604020202020204" pitchFamily="34" charset="0"/>
+                <a:hlinkClick r:id="rId6"/>
+              </a:rPr>
+              <a:t>Java </a:t>
+            </a:r>
+            <a:r>
+              <a:rPr lang="en-US" sz="1000" b="1" i="0" u="none" strike="noStrike" dirty="0" err="1">
+                <a:solidFill>
+                  <a:srgbClr val="333399"/>
+                </a:solidFill>
+                <a:effectLst/>
+                <a:latin typeface="arial" panose="020B0604020202020204" pitchFamily="34" charset="0"/>
+                <a:hlinkClick r:id="rId6"/>
+              </a:rPr>
+              <a:t>PriorityBlockingQueue</a:t>
+            </a:r>
+            <a:endParaRPr lang="en-US" sz="1000" b="0" i="0" dirty="0">
+              <a:solidFill>
+                <a:srgbClr val="000000"/>
+              </a:solidFill>
+              <a:effectLst/>
+              <a:latin typeface="arial" panose="020B0604020202020204" pitchFamily="34" charset="0"/>
+            </a:endParaRPr>
+          </a:p>
+          <a:p>
+            <a:pPr algn="l">
+              <a:buFont typeface="Arial" panose="020B0604020202020204" pitchFamily="34" charset="0"/>
+              <a:buChar char="•"/>
+            </a:pPr>
+            <a:r>
+              <a:rPr lang="en-US" sz="1000" b="1" i="0" u="none" strike="noStrike" dirty="0">
+                <a:solidFill>
+                  <a:srgbClr val="333399"/>
+                </a:solidFill>
+                <a:effectLst/>
+                <a:latin typeface="arial" panose="020B0604020202020204" pitchFamily="34" charset="0"/>
+                <a:hlinkClick r:id="rId7"/>
+              </a:rPr>
+              <a:t>Java </a:t>
+            </a:r>
+            <a:r>
+              <a:rPr lang="en-US" sz="1000" b="1" i="0" u="none" strike="noStrike" dirty="0" err="1">
+                <a:solidFill>
+                  <a:srgbClr val="333399"/>
+                </a:solidFill>
+                <a:effectLst/>
+                <a:latin typeface="arial" panose="020B0604020202020204" pitchFamily="34" charset="0"/>
+                <a:hlinkClick r:id="rId7"/>
+              </a:rPr>
+              <a:t>SynchronousQueue</a:t>
+            </a:r>
+            <a:endParaRPr lang="en-US" sz="1000" b="0" i="0" dirty="0">
+              <a:solidFill>
+                <a:srgbClr val="000000"/>
+              </a:solidFill>
+              <a:effectLst/>
+              <a:latin typeface="arial" panose="020B0604020202020204" pitchFamily="34" charset="0"/>
+            </a:endParaRPr>
+          </a:p>
+          <a:p>
+            <a:pPr algn="l">
+              <a:buFont typeface="Arial" panose="020B0604020202020204" pitchFamily="34" charset="0"/>
+              <a:buChar char="•"/>
+            </a:pPr>
+            <a:r>
+              <a:rPr lang="en-US" sz="1000" b="1" i="0" u="none" strike="noStrike" dirty="0">
+                <a:solidFill>
+                  <a:srgbClr val="333399"/>
+                </a:solidFill>
+                <a:effectLst/>
+                <a:latin typeface="arial" panose="020B0604020202020204" pitchFamily="34" charset="0"/>
+                <a:hlinkClick r:id="rId8"/>
+              </a:rPr>
+              <a:t>Java </a:t>
+            </a:r>
+            <a:r>
+              <a:rPr lang="en-US" sz="1000" b="1" i="0" u="none" strike="noStrike" dirty="0" err="1">
+                <a:solidFill>
+                  <a:srgbClr val="333399"/>
+                </a:solidFill>
+                <a:effectLst/>
+                <a:latin typeface="arial" panose="020B0604020202020204" pitchFamily="34" charset="0"/>
+                <a:hlinkClick r:id="rId8"/>
+              </a:rPr>
+              <a:t>BlockingDeque</a:t>
+            </a:r>
+            <a:endParaRPr lang="en-US" sz="1000" b="0" i="0" dirty="0">
+              <a:solidFill>
+                <a:srgbClr val="000000"/>
+              </a:solidFill>
+              <a:effectLst/>
+              <a:latin typeface="arial" panose="020B0604020202020204" pitchFamily="34" charset="0"/>
+            </a:endParaRPr>
+          </a:p>
+          <a:p>
+            <a:pPr algn="l">
+              <a:buFont typeface="Arial" panose="020B0604020202020204" pitchFamily="34" charset="0"/>
+              <a:buChar char="•"/>
+            </a:pPr>
+            <a:r>
+              <a:rPr lang="en-US" sz="1000" b="1" i="0" u="none" strike="noStrike" dirty="0">
+                <a:solidFill>
+                  <a:srgbClr val="333399"/>
+                </a:solidFill>
+                <a:effectLst/>
+                <a:latin typeface="arial" panose="020B0604020202020204" pitchFamily="34" charset="0"/>
+                <a:hlinkClick r:id="rId9"/>
+              </a:rPr>
+              <a:t>Java </a:t>
+            </a:r>
+            <a:r>
+              <a:rPr lang="en-US" sz="1000" b="1" i="0" u="none" strike="noStrike" dirty="0" err="1">
+                <a:solidFill>
+                  <a:srgbClr val="333399"/>
+                </a:solidFill>
+                <a:effectLst/>
+                <a:latin typeface="arial" panose="020B0604020202020204" pitchFamily="34" charset="0"/>
+                <a:hlinkClick r:id="rId9"/>
+              </a:rPr>
+              <a:t>LinkedBlockingDeque</a:t>
+            </a:r>
+            <a:endParaRPr lang="en-US" sz="1000" b="0" i="0" dirty="0">
+              <a:solidFill>
+                <a:srgbClr val="000000"/>
+              </a:solidFill>
+              <a:effectLst/>
+              <a:latin typeface="arial" panose="020B0604020202020204" pitchFamily="34" charset="0"/>
+            </a:endParaRPr>
+          </a:p>
+          <a:p>
+            <a:pPr algn="l">
+              <a:buFont typeface="Arial" panose="020B0604020202020204" pitchFamily="34" charset="0"/>
+              <a:buChar char="•"/>
+            </a:pPr>
+            <a:r>
+              <a:rPr lang="en-US" sz="1000" b="1" i="0" u="none" strike="noStrike" dirty="0">
+                <a:solidFill>
+                  <a:srgbClr val="333399"/>
+                </a:solidFill>
+                <a:effectLst/>
+                <a:latin typeface="arial" panose="020B0604020202020204" pitchFamily="34" charset="0"/>
+                <a:hlinkClick r:id="rId10"/>
+              </a:rPr>
+              <a:t>Java </a:t>
+            </a:r>
+            <a:r>
+              <a:rPr lang="en-US" sz="1000" b="1" i="0" u="none" strike="noStrike" dirty="0" err="1">
+                <a:solidFill>
+                  <a:srgbClr val="333399"/>
+                </a:solidFill>
+                <a:effectLst/>
+                <a:latin typeface="arial" panose="020B0604020202020204" pitchFamily="34" charset="0"/>
+                <a:hlinkClick r:id="rId10"/>
+              </a:rPr>
+              <a:t>ConcurrentMap</a:t>
+            </a:r>
+            <a:endParaRPr lang="en-US" sz="1000" b="0" i="0" dirty="0">
+              <a:solidFill>
+                <a:srgbClr val="000000"/>
+              </a:solidFill>
+              <a:effectLst/>
+              <a:latin typeface="arial" panose="020B0604020202020204" pitchFamily="34" charset="0"/>
+            </a:endParaRPr>
+          </a:p>
+          <a:p>
+            <a:pPr algn="l">
+              <a:buFont typeface="Arial" panose="020B0604020202020204" pitchFamily="34" charset="0"/>
+              <a:buChar char="•"/>
+            </a:pPr>
+            <a:r>
+              <a:rPr lang="en-US" sz="1000" b="1" i="0" u="none" strike="noStrike" dirty="0">
+                <a:solidFill>
+                  <a:srgbClr val="333399"/>
+                </a:solidFill>
+                <a:effectLst/>
+                <a:latin typeface="arial" panose="020B0604020202020204" pitchFamily="34" charset="0"/>
+                <a:hlinkClick r:id="rId11"/>
+              </a:rPr>
+              <a:t>Java </a:t>
+            </a:r>
+            <a:r>
+              <a:rPr lang="en-US" sz="1000" b="1" i="0" u="none" strike="noStrike" dirty="0" err="1">
+                <a:solidFill>
+                  <a:srgbClr val="333399"/>
+                </a:solidFill>
+                <a:effectLst/>
+                <a:latin typeface="arial" panose="020B0604020202020204" pitchFamily="34" charset="0"/>
+                <a:hlinkClick r:id="rId11"/>
+              </a:rPr>
+              <a:t>ConcurrentNavigableMap</a:t>
+            </a:r>
+            <a:endParaRPr lang="en-US" sz="1000" b="0" i="0" dirty="0">
+              <a:solidFill>
+                <a:srgbClr val="000000"/>
+              </a:solidFill>
+              <a:effectLst/>
+              <a:latin typeface="arial" panose="020B0604020202020204" pitchFamily="34" charset="0"/>
+            </a:endParaRPr>
+          </a:p>
+          <a:p>
+            <a:pPr algn="l">
+              <a:buFont typeface="Arial" panose="020B0604020202020204" pitchFamily="34" charset="0"/>
+              <a:buChar char="•"/>
+            </a:pPr>
+            <a:r>
+              <a:rPr lang="en-US" sz="1000" b="1" i="0" u="none" strike="noStrike" dirty="0">
+                <a:solidFill>
+                  <a:srgbClr val="333399"/>
+                </a:solidFill>
+                <a:effectLst/>
+                <a:latin typeface="arial" panose="020B0604020202020204" pitchFamily="34" charset="0"/>
+                <a:hlinkClick r:id="rId12"/>
+              </a:rPr>
+              <a:t>Java </a:t>
+            </a:r>
+            <a:r>
+              <a:rPr lang="en-US" sz="1000" b="1" i="0" u="none" strike="noStrike" dirty="0" err="1">
+                <a:solidFill>
+                  <a:srgbClr val="333399"/>
+                </a:solidFill>
+                <a:effectLst/>
+                <a:latin typeface="arial" panose="020B0604020202020204" pitchFamily="34" charset="0"/>
+                <a:hlinkClick r:id="rId12"/>
+              </a:rPr>
+              <a:t>CountDownLatch</a:t>
+            </a:r>
+            <a:endParaRPr lang="en-US" sz="1000" b="0" i="0" dirty="0">
+              <a:solidFill>
+                <a:srgbClr val="000000"/>
+              </a:solidFill>
+              <a:effectLst/>
+              <a:latin typeface="arial" panose="020B0604020202020204" pitchFamily="34" charset="0"/>
+            </a:endParaRPr>
+          </a:p>
+          <a:p>
+            <a:pPr algn="l">
+              <a:buFont typeface="Arial" panose="020B0604020202020204" pitchFamily="34" charset="0"/>
+              <a:buChar char="•"/>
+            </a:pPr>
+            <a:r>
+              <a:rPr lang="en-US" sz="1000" b="1" i="0" u="none" strike="noStrike" dirty="0">
+                <a:solidFill>
+                  <a:srgbClr val="333399"/>
+                </a:solidFill>
+                <a:effectLst/>
+                <a:latin typeface="arial" panose="020B0604020202020204" pitchFamily="34" charset="0"/>
+                <a:hlinkClick r:id="rId13"/>
+              </a:rPr>
+              <a:t>Java </a:t>
+            </a:r>
+            <a:r>
+              <a:rPr lang="en-US" sz="1000" b="1" i="0" u="none" strike="noStrike" dirty="0" err="1">
+                <a:solidFill>
+                  <a:srgbClr val="333399"/>
+                </a:solidFill>
+                <a:effectLst/>
+                <a:latin typeface="arial" panose="020B0604020202020204" pitchFamily="34" charset="0"/>
+                <a:hlinkClick r:id="rId13"/>
+              </a:rPr>
+              <a:t>CyclicBarrier</a:t>
+            </a:r>
+            <a:endParaRPr lang="en-US" sz="1000" b="0" i="0" dirty="0">
+              <a:solidFill>
+                <a:srgbClr val="000000"/>
+              </a:solidFill>
+              <a:effectLst/>
+              <a:latin typeface="arial" panose="020B0604020202020204" pitchFamily="34" charset="0"/>
+            </a:endParaRPr>
+          </a:p>
+          <a:p>
+            <a:pPr algn="l">
+              <a:buFont typeface="Arial" panose="020B0604020202020204" pitchFamily="34" charset="0"/>
+              <a:buChar char="•"/>
+            </a:pPr>
+            <a:r>
+              <a:rPr lang="en-US" sz="1000" b="1" i="0" u="none" strike="noStrike" dirty="0">
+                <a:solidFill>
+                  <a:srgbClr val="333399"/>
+                </a:solidFill>
+                <a:effectLst/>
+                <a:latin typeface="arial" panose="020B0604020202020204" pitchFamily="34" charset="0"/>
+                <a:hlinkClick r:id="rId14"/>
+              </a:rPr>
+              <a:t>Java Exchanger</a:t>
+            </a:r>
+            <a:endParaRPr lang="en-US" sz="1000" b="0" i="0" dirty="0">
+              <a:solidFill>
+                <a:srgbClr val="000000"/>
+              </a:solidFill>
+              <a:effectLst/>
+              <a:latin typeface="arial" panose="020B0604020202020204" pitchFamily="34" charset="0"/>
+            </a:endParaRPr>
+          </a:p>
+          <a:p>
+            <a:pPr algn="l">
+              <a:buFont typeface="Arial" panose="020B0604020202020204" pitchFamily="34" charset="0"/>
+              <a:buChar char="•"/>
+            </a:pPr>
+            <a:r>
+              <a:rPr lang="en-US" sz="1000" b="1" i="0" u="none" strike="noStrike" dirty="0">
+                <a:solidFill>
+                  <a:srgbClr val="333399"/>
+                </a:solidFill>
+                <a:effectLst/>
+                <a:latin typeface="arial" panose="020B0604020202020204" pitchFamily="34" charset="0"/>
+                <a:hlinkClick r:id="rId15"/>
+              </a:rPr>
+              <a:t>Java Semaphore</a:t>
+            </a:r>
+            <a:endParaRPr lang="en-US" sz="1000" b="0" i="0" dirty="0">
+              <a:solidFill>
+                <a:srgbClr val="000000"/>
+              </a:solidFill>
+              <a:effectLst/>
+              <a:latin typeface="arial" panose="020B0604020202020204" pitchFamily="34" charset="0"/>
+            </a:endParaRPr>
+          </a:p>
+          <a:p>
+            <a:pPr algn="l">
+              <a:buFont typeface="Arial" panose="020B0604020202020204" pitchFamily="34" charset="0"/>
+              <a:buChar char="•"/>
+            </a:pPr>
+            <a:r>
+              <a:rPr lang="en-US" sz="1000" b="1" i="0" u="none" strike="noStrike" dirty="0">
+                <a:solidFill>
+                  <a:srgbClr val="333399"/>
+                </a:solidFill>
+                <a:effectLst/>
+                <a:latin typeface="arial" panose="020B0604020202020204" pitchFamily="34" charset="0"/>
+                <a:hlinkClick r:id="rId16"/>
+              </a:rPr>
+              <a:t>Java </a:t>
+            </a:r>
+            <a:r>
+              <a:rPr lang="en-US" sz="1000" b="1" i="0" u="none" strike="noStrike" dirty="0" err="1">
+                <a:solidFill>
+                  <a:srgbClr val="333399"/>
+                </a:solidFill>
+                <a:effectLst/>
+                <a:latin typeface="arial" panose="020B0604020202020204" pitchFamily="34" charset="0"/>
+                <a:hlinkClick r:id="rId16"/>
+              </a:rPr>
+              <a:t>ExecutorService</a:t>
+            </a:r>
+            <a:endParaRPr lang="en-US" sz="1000" b="0" i="0" dirty="0">
+              <a:solidFill>
+                <a:srgbClr val="000000"/>
+              </a:solidFill>
+              <a:effectLst/>
+              <a:latin typeface="arial" panose="020B0604020202020204" pitchFamily="34" charset="0"/>
+            </a:endParaRPr>
+          </a:p>
+          <a:p>
+            <a:pPr algn="l">
+              <a:buFont typeface="Arial" panose="020B0604020202020204" pitchFamily="34" charset="0"/>
+              <a:buChar char="•"/>
+            </a:pPr>
+            <a:r>
+              <a:rPr lang="en-US" sz="1000" b="1" i="0" u="none" strike="noStrike" dirty="0">
+                <a:solidFill>
+                  <a:srgbClr val="333399"/>
+                </a:solidFill>
+                <a:effectLst/>
+                <a:latin typeface="arial" panose="020B0604020202020204" pitchFamily="34" charset="0"/>
+                <a:hlinkClick r:id="rId17"/>
+              </a:rPr>
+              <a:t>Java Callable</a:t>
+            </a:r>
+            <a:endParaRPr lang="en-US" sz="1000" b="0" i="0" dirty="0">
+              <a:solidFill>
+                <a:srgbClr val="000000"/>
+              </a:solidFill>
+              <a:effectLst/>
+              <a:latin typeface="arial" panose="020B0604020202020204" pitchFamily="34" charset="0"/>
+            </a:endParaRPr>
+          </a:p>
+          <a:p>
+            <a:pPr algn="l">
+              <a:buFont typeface="Arial" panose="020B0604020202020204" pitchFamily="34" charset="0"/>
+              <a:buChar char="•"/>
+            </a:pPr>
+            <a:r>
+              <a:rPr lang="en-US" sz="1000" b="1" i="0" u="none" strike="noStrike" dirty="0">
+                <a:solidFill>
+                  <a:srgbClr val="333399"/>
+                </a:solidFill>
+                <a:effectLst/>
+                <a:latin typeface="arial" panose="020B0604020202020204" pitchFamily="34" charset="0"/>
+                <a:hlinkClick r:id="rId18"/>
+              </a:rPr>
+              <a:t>Java Future</a:t>
+            </a:r>
+            <a:endParaRPr lang="en-US" sz="1000" b="0" i="0" dirty="0">
+              <a:solidFill>
+                <a:srgbClr val="000000"/>
+              </a:solidFill>
+              <a:effectLst/>
+              <a:latin typeface="arial" panose="020B0604020202020204" pitchFamily="34" charset="0"/>
+            </a:endParaRPr>
+          </a:p>
+          <a:p>
+            <a:pPr algn="l">
+              <a:buFont typeface="Arial" panose="020B0604020202020204" pitchFamily="34" charset="0"/>
+              <a:buChar char="•"/>
+            </a:pPr>
+            <a:r>
+              <a:rPr lang="en-US" sz="1000" b="1" i="0" u="none" strike="noStrike" dirty="0">
+                <a:solidFill>
+                  <a:srgbClr val="333399"/>
+                </a:solidFill>
+                <a:effectLst/>
+                <a:latin typeface="arial" panose="020B0604020202020204" pitchFamily="34" charset="0"/>
+                <a:hlinkClick r:id="rId19"/>
+              </a:rPr>
+              <a:t>Java </a:t>
+            </a:r>
+            <a:r>
+              <a:rPr lang="en-US" sz="1000" b="1" i="0" u="none" strike="noStrike" dirty="0" err="1">
+                <a:solidFill>
+                  <a:srgbClr val="333399"/>
+                </a:solidFill>
+                <a:effectLst/>
+                <a:latin typeface="arial" panose="020B0604020202020204" pitchFamily="34" charset="0"/>
+                <a:hlinkClick r:id="rId19"/>
+              </a:rPr>
+              <a:t>ThreadPoolExecutor</a:t>
+            </a:r>
+            <a:endParaRPr lang="en-US" sz="1000" b="0" i="0" dirty="0">
+              <a:solidFill>
+                <a:srgbClr val="000000"/>
+              </a:solidFill>
+              <a:effectLst/>
+              <a:latin typeface="arial" panose="020B0604020202020204" pitchFamily="34" charset="0"/>
+            </a:endParaRPr>
+          </a:p>
+          <a:p>
+            <a:pPr algn="l">
+              <a:buFont typeface="Arial" panose="020B0604020202020204" pitchFamily="34" charset="0"/>
+              <a:buChar char="•"/>
+            </a:pPr>
+            <a:r>
+              <a:rPr lang="en-US" sz="1000" b="1" i="0" u="none" strike="noStrike" dirty="0">
+                <a:solidFill>
+                  <a:srgbClr val="333399"/>
+                </a:solidFill>
+                <a:effectLst/>
+                <a:latin typeface="arial" panose="020B0604020202020204" pitchFamily="34" charset="0"/>
+                <a:hlinkClick r:id="rId20"/>
+              </a:rPr>
+              <a:t>Java </a:t>
+            </a:r>
+            <a:r>
+              <a:rPr lang="en-US" sz="1000" b="1" i="0" u="none" strike="noStrike" dirty="0" err="1">
+                <a:solidFill>
+                  <a:srgbClr val="333399"/>
+                </a:solidFill>
+                <a:effectLst/>
+                <a:latin typeface="arial" panose="020B0604020202020204" pitchFamily="34" charset="0"/>
+                <a:hlinkClick r:id="rId20"/>
+              </a:rPr>
+              <a:t>ScheduledExecutorService</a:t>
+            </a:r>
+            <a:endParaRPr lang="en-US" sz="1000" b="0" i="0" dirty="0">
+              <a:solidFill>
+                <a:srgbClr val="000000"/>
+              </a:solidFill>
+              <a:effectLst/>
+              <a:latin typeface="arial" panose="020B0604020202020204" pitchFamily="34" charset="0"/>
+            </a:endParaRPr>
+          </a:p>
+          <a:p>
+            <a:pPr algn="l">
+              <a:buFont typeface="Arial" panose="020B0604020202020204" pitchFamily="34" charset="0"/>
+              <a:buChar char="•"/>
+            </a:pPr>
+            <a:r>
+              <a:rPr lang="en-US" sz="1000" b="1" i="0" u="none" strike="noStrike" dirty="0">
+                <a:solidFill>
+                  <a:srgbClr val="333399"/>
+                </a:solidFill>
+                <a:effectLst/>
+                <a:latin typeface="arial" panose="020B0604020202020204" pitchFamily="34" charset="0"/>
+                <a:hlinkClick r:id="rId21"/>
+              </a:rPr>
+              <a:t>Java </a:t>
+            </a:r>
+            <a:r>
+              <a:rPr lang="en-US" sz="1000" b="1" i="0" u="none" strike="noStrike" dirty="0" err="1">
+                <a:solidFill>
+                  <a:srgbClr val="333399"/>
+                </a:solidFill>
+                <a:effectLst/>
+                <a:latin typeface="arial" panose="020B0604020202020204" pitchFamily="34" charset="0"/>
+                <a:hlinkClick r:id="rId21"/>
+              </a:rPr>
+              <a:t>ForkJoinPool</a:t>
+            </a:r>
+            <a:endParaRPr lang="en-US" sz="1000" b="0" i="0" dirty="0">
+              <a:solidFill>
+                <a:srgbClr val="000000"/>
+              </a:solidFill>
+              <a:effectLst/>
+              <a:latin typeface="arial" panose="020B0604020202020204" pitchFamily="34" charset="0"/>
+            </a:endParaRPr>
+          </a:p>
+          <a:p>
+            <a:pPr algn="l">
+              <a:buFont typeface="Arial" panose="020B0604020202020204" pitchFamily="34" charset="0"/>
+              <a:buChar char="•"/>
+            </a:pPr>
+            <a:r>
+              <a:rPr lang="en-US" sz="1000" b="1" i="0" u="none" strike="noStrike" dirty="0">
+                <a:solidFill>
+                  <a:srgbClr val="333399"/>
+                </a:solidFill>
+                <a:effectLst/>
+                <a:latin typeface="arial" panose="020B0604020202020204" pitchFamily="34" charset="0"/>
+                <a:hlinkClick r:id="rId22"/>
+              </a:rPr>
+              <a:t>Java Lock</a:t>
+            </a:r>
+            <a:endParaRPr lang="en-US" sz="1000" b="0" i="0" dirty="0">
+              <a:solidFill>
+                <a:srgbClr val="000000"/>
+              </a:solidFill>
+              <a:effectLst/>
+              <a:latin typeface="arial" panose="020B0604020202020204" pitchFamily="34" charset="0"/>
+            </a:endParaRPr>
+          </a:p>
+          <a:p>
+            <a:pPr algn="l">
+              <a:buFont typeface="Arial" panose="020B0604020202020204" pitchFamily="34" charset="0"/>
+              <a:buChar char="•"/>
+            </a:pPr>
+            <a:r>
+              <a:rPr lang="en-US" sz="1000" b="1" i="0" u="none" strike="noStrike" dirty="0">
+                <a:solidFill>
+                  <a:srgbClr val="333399"/>
+                </a:solidFill>
+                <a:effectLst/>
+                <a:latin typeface="arial" panose="020B0604020202020204" pitchFamily="34" charset="0"/>
+                <a:hlinkClick r:id="rId23"/>
+              </a:rPr>
+              <a:t>Java </a:t>
+            </a:r>
+            <a:r>
+              <a:rPr lang="en-US" sz="1000" b="1" i="0" u="none" strike="noStrike" dirty="0" err="1">
+                <a:solidFill>
+                  <a:srgbClr val="333399"/>
+                </a:solidFill>
+                <a:effectLst/>
+                <a:latin typeface="arial" panose="020B0604020202020204" pitchFamily="34" charset="0"/>
+                <a:hlinkClick r:id="rId23"/>
+              </a:rPr>
+              <a:t>ReadWriteLock</a:t>
+            </a:r>
+            <a:endParaRPr lang="en-US" sz="1000" b="0" i="0" dirty="0">
+              <a:solidFill>
+                <a:srgbClr val="000000"/>
+              </a:solidFill>
+              <a:effectLst/>
+              <a:latin typeface="arial" panose="020B0604020202020204" pitchFamily="34" charset="0"/>
+            </a:endParaRPr>
+          </a:p>
+          <a:p>
+            <a:pPr algn="l">
+              <a:buFont typeface="Arial" panose="020B0604020202020204" pitchFamily="34" charset="0"/>
+              <a:buChar char="•"/>
+            </a:pPr>
+            <a:r>
+              <a:rPr lang="en-US" sz="1000" b="1" i="0" u="none" strike="noStrike" dirty="0">
+                <a:solidFill>
+                  <a:srgbClr val="333399"/>
+                </a:solidFill>
+                <a:effectLst/>
+                <a:latin typeface="arial" panose="020B0604020202020204" pitchFamily="34" charset="0"/>
+                <a:hlinkClick r:id="rId24"/>
+              </a:rPr>
+              <a:t>Java </a:t>
+            </a:r>
+            <a:r>
+              <a:rPr lang="en-US" sz="1000" b="1" i="0" u="none" strike="noStrike" dirty="0" err="1">
+                <a:solidFill>
+                  <a:srgbClr val="333399"/>
+                </a:solidFill>
+                <a:effectLst/>
+                <a:latin typeface="arial" panose="020B0604020202020204" pitchFamily="34" charset="0"/>
+                <a:hlinkClick r:id="rId24"/>
+              </a:rPr>
+              <a:t>AtomicInteger</a:t>
+            </a:r>
+            <a:endParaRPr lang="en-US" sz="1000" b="0" i="0" dirty="0">
+              <a:solidFill>
+                <a:srgbClr val="000000"/>
+              </a:solidFill>
+              <a:effectLst/>
+              <a:latin typeface="arial" panose="020B0604020202020204" pitchFamily="34" charset="0"/>
+            </a:endParaRPr>
+          </a:p>
+          <a:p>
+            <a:pPr algn="l">
+              <a:buFont typeface="Arial" panose="020B0604020202020204" pitchFamily="34" charset="0"/>
+              <a:buChar char="•"/>
+            </a:pPr>
+            <a:r>
+              <a:rPr lang="en-US" sz="1000" b="1" i="0" u="none" strike="noStrike" dirty="0">
+                <a:solidFill>
+                  <a:srgbClr val="333399"/>
+                </a:solidFill>
+                <a:effectLst/>
+                <a:latin typeface="arial" panose="020B0604020202020204" pitchFamily="34" charset="0"/>
+                <a:hlinkClick r:id="rId25"/>
+              </a:rPr>
+              <a:t>Java </a:t>
+            </a:r>
+            <a:r>
+              <a:rPr lang="en-US" sz="1000" b="1" i="0" u="none" strike="noStrike" dirty="0" err="1">
+                <a:solidFill>
+                  <a:srgbClr val="333399"/>
+                </a:solidFill>
+                <a:effectLst/>
+                <a:latin typeface="arial" panose="020B0604020202020204" pitchFamily="34" charset="0"/>
+                <a:hlinkClick r:id="rId25"/>
+              </a:rPr>
+              <a:t>AtomicLong</a:t>
+            </a:r>
+            <a:endParaRPr lang="en-US" sz="1000" b="0" i="0" dirty="0">
+              <a:solidFill>
+                <a:srgbClr val="000000"/>
+              </a:solidFill>
+              <a:effectLst/>
+              <a:latin typeface="arial" panose="020B0604020202020204" pitchFamily="34" charset="0"/>
+            </a:endParaRPr>
+          </a:p>
+          <a:p>
+            <a:pPr algn="l">
+              <a:buFont typeface="Arial" panose="020B0604020202020204" pitchFamily="34" charset="0"/>
+              <a:buChar char="•"/>
+            </a:pPr>
+            <a:r>
+              <a:rPr lang="en-US" sz="1000" b="1" i="0" u="none" strike="noStrike" dirty="0">
+                <a:solidFill>
+                  <a:srgbClr val="333399"/>
+                </a:solidFill>
+                <a:effectLst/>
+                <a:latin typeface="arial" panose="020B0604020202020204" pitchFamily="34" charset="0"/>
+                <a:hlinkClick r:id="rId26"/>
+              </a:rPr>
+              <a:t>Java </a:t>
+            </a:r>
+            <a:r>
+              <a:rPr lang="en-US" sz="1000" b="1" i="0" u="none" strike="noStrike" dirty="0" err="1">
+                <a:solidFill>
+                  <a:srgbClr val="333399"/>
+                </a:solidFill>
+                <a:effectLst/>
+                <a:latin typeface="arial" panose="020B0604020202020204" pitchFamily="34" charset="0"/>
+                <a:hlinkClick r:id="rId26"/>
+              </a:rPr>
+              <a:t>AtomicReference</a:t>
+            </a:r>
+            <a:endParaRPr lang="en-US" sz="1000" b="0" i="0" dirty="0">
+              <a:solidFill>
+                <a:srgbClr val="000000"/>
+              </a:solidFill>
+              <a:effectLst/>
+              <a:latin typeface="arial" panose="020B0604020202020204" pitchFamily="34" charset="0"/>
+            </a:endParaRPr>
+          </a:p>
+          <a:p>
+            <a:pPr algn="l">
+              <a:buFont typeface="Arial" panose="020B0604020202020204" pitchFamily="34" charset="0"/>
+              <a:buChar char="•"/>
+            </a:pPr>
+            <a:r>
+              <a:rPr lang="en-US" sz="1000" b="1" i="0" u="none" strike="noStrike" dirty="0">
+                <a:solidFill>
+                  <a:srgbClr val="333399"/>
+                </a:solidFill>
+                <a:effectLst/>
+                <a:latin typeface="arial" panose="020B0604020202020204" pitchFamily="34" charset="0"/>
+                <a:hlinkClick r:id="rId27"/>
+              </a:rPr>
+              <a:t>Java </a:t>
+            </a:r>
+            <a:r>
+              <a:rPr lang="en-US" sz="1000" b="1" i="0" u="none" strike="noStrike" dirty="0" err="1">
+                <a:solidFill>
+                  <a:srgbClr val="333399"/>
+                </a:solidFill>
+                <a:effectLst/>
+                <a:latin typeface="arial" panose="020B0604020202020204" pitchFamily="34" charset="0"/>
+                <a:hlinkClick r:id="rId27"/>
+              </a:rPr>
+              <a:t>AtomicStampedReference</a:t>
+            </a:r>
+            <a:endParaRPr lang="en-US" sz="1000" b="0" i="0" dirty="0">
+              <a:solidFill>
+                <a:srgbClr val="000000"/>
+              </a:solidFill>
+              <a:effectLst/>
+              <a:latin typeface="arial" panose="020B0604020202020204" pitchFamily="34" charset="0"/>
+            </a:endParaRPr>
+          </a:p>
+          <a:p>
+            <a:pPr algn="l">
+              <a:buFont typeface="Arial" panose="020B0604020202020204" pitchFamily="34" charset="0"/>
+              <a:buChar char="•"/>
+            </a:pPr>
+            <a:r>
+              <a:rPr lang="en-US" sz="1000" b="1" i="0" u="none" strike="noStrike" dirty="0">
+                <a:solidFill>
+                  <a:srgbClr val="333399"/>
+                </a:solidFill>
+                <a:effectLst/>
+                <a:latin typeface="arial" panose="020B0604020202020204" pitchFamily="34" charset="0"/>
+                <a:hlinkClick r:id="rId28"/>
+              </a:rPr>
+              <a:t>Java </a:t>
+            </a:r>
+            <a:r>
+              <a:rPr lang="en-US" sz="1000" b="1" i="0" u="none" strike="noStrike" dirty="0" err="1">
+                <a:solidFill>
+                  <a:srgbClr val="333399"/>
+                </a:solidFill>
+                <a:effectLst/>
+                <a:latin typeface="arial" panose="020B0604020202020204" pitchFamily="34" charset="0"/>
+                <a:hlinkClick r:id="rId28"/>
+              </a:rPr>
+              <a:t>AtomicIntegerArray</a:t>
+            </a:r>
+            <a:endParaRPr lang="en-US" sz="1000" b="0" i="0" dirty="0">
+              <a:solidFill>
+                <a:srgbClr val="000000"/>
+              </a:solidFill>
+              <a:effectLst/>
+              <a:latin typeface="arial" panose="020B0604020202020204" pitchFamily="34" charset="0"/>
+            </a:endParaRPr>
+          </a:p>
+          <a:p>
+            <a:pPr algn="l">
+              <a:buFont typeface="Arial" panose="020B0604020202020204" pitchFamily="34" charset="0"/>
+              <a:buChar char="•"/>
+            </a:pPr>
+            <a:r>
+              <a:rPr lang="en-US" sz="1000" b="1" i="0" u="none" strike="noStrike" dirty="0">
+                <a:solidFill>
+                  <a:srgbClr val="333399"/>
+                </a:solidFill>
+                <a:effectLst/>
+                <a:latin typeface="arial" panose="020B0604020202020204" pitchFamily="34" charset="0"/>
+                <a:hlinkClick r:id="rId29"/>
+              </a:rPr>
+              <a:t>Java </a:t>
+            </a:r>
+            <a:r>
+              <a:rPr lang="en-US" sz="1000" b="1" i="0" u="none" strike="noStrike" dirty="0" err="1">
+                <a:solidFill>
+                  <a:srgbClr val="333399"/>
+                </a:solidFill>
+                <a:effectLst/>
+                <a:latin typeface="arial" panose="020B0604020202020204" pitchFamily="34" charset="0"/>
+                <a:hlinkClick r:id="rId29"/>
+              </a:rPr>
+              <a:t>AtomicLongArray</a:t>
+            </a:r>
+            <a:endParaRPr lang="en-US" sz="1000" b="0" i="0" dirty="0">
+              <a:solidFill>
+                <a:srgbClr val="000000"/>
+              </a:solidFill>
+              <a:effectLst/>
+              <a:latin typeface="arial" panose="020B0604020202020204" pitchFamily="34" charset="0"/>
+            </a:endParaRPr>
+          </a:p>
+          <a:p>
+            <a:pPr algn="l">
+              <a:buFont typeface="Arial" panose="020B0604020202020204" pitchFamily="34" charset="0"/>
+              <a:buChar char="•"/>
+            </a:pPr>
+            <a:r>
+              <a:rPr lang="en-US" sz="1000" b="1" i="0" u="none" strike="noStrike" dirty="0">
+                <a:solidFill>
+                  <a:srgbClr val="333399"/>
+                </a:solidFill>
+                <a:effectLst/>
+                <a:latin typeface="arial" panose="020B0604020202020204" pitchFamily="34" charset="0"/>
+                <a:hlinkClick r:id="rId30"/>
+              </a:rPr>
+              <a:t>Java </a:t>
+            </a:r>
+            <a:r>
+              <a:rPr lang="en-US" sz="1000" b="1" i="0" u="none" strike="noStrike" dirty="0" err="1">
+                <a:solidFill>
+                  <a:srgbClr val="333399"/>
+                </a:solidFill>
+                <a:effectLst/>
+                <a:latin typeface="arial" panose="020B0604020202020204" pitchFamily="34" charset="0"/>
+                <a:hlinkClick r:id="rId30"/>
+              </a:rPr>
+              <a:t>AtomicReferenceArray</a:t>
+            </a:r>
+            <a:endParaRPr lang="en-US" sz="1000" b="0" i="0" dirty="0">
+              <a:solidFill>
+                <a:srgbClr val="000000"/>
+              </a:solidFill>
+              <a:effectLst/>
+              <a:latin typeface="arial" panose="020B0604020202020204" pitchFamily="34" charset="0"/>
+            </a:endParaRPr>
+          </a:p>
+          <a:p>
+            <a:pPr algn="l" fontAlgn="base"/>
+            <a:endParaRPr lang="en-US" sz="1400" b="0" i="0" dirty="0">
+              <a:effectLst/>
+              <a:latin typeface="var(--font-din)"/>
+            </a:endParaRPr>
+          </a:p>
+        </p:txBody>
+      </p:sp>
+    </p:spTree>
+    <p:extLst>
+      <p:ext uri="{BB962C8B-B14F-4D97-AF65-F5344CB8AC3E}">
+        <p14:creationId xmlns:p14="http://schemas.microsoft.com/office/powerpoint/2010/main" val="3858478804"/>
+      </p:ext>
+    </p:extLst>
+  </p:cSld>
+  <p:clrMapOvr>
+    <a:masterClrMapping/>
+  </p:clrMapOvr>
+</p:sld>
+</file>
+
+<file path=ppt/slides/slide21.xml><?xml version="1.0" encoding="utf-8"?>
+<p:sld xmlns:a="http://schemas.openxmlformats.org/drawingml/2006/main" xmlns:r="http://schemas.openxmlformats.org/officeDocument/2006/relationships" xmlns:p="http://schemas.openxmlformats.org/presentationml/2006/main">
+  <p:cSld>
+    <p:spTree>
+      <p:nvGrpSpPr>
+        <p:cNvPr id="1" name=""/>
+        <p:cNvGrpSpPr/>
+        <p:nvPr/>
+      </p:nvGrpSpPr>
+      <p:grpSpPr>
+        <a:xfrm>
+          <a:off x="0" y="0"/>
+          <a:ext cx="0" cy="0"/>
+          <a:chOff x="0" y="0"/>
+          <a:chExt cx="0" cy="0"/>
+        </a:xfrm>
+      </p:grpSpPr>
+      <p:sp>
+        <p:nvSpPr>
+          <p:cNvPr id="2" name="object 2"/>
+          <p:cNvSpPr txBox="1"/>
+          <p:nvPr/>
+        </p:nvSpPr>
+        <p:spPr>
+          <a:xfrm>
+            <a:off x="2895600" y="184666"/>
+            <a:ext cx="10210800" cy="382156"/>
+          </a:xfrm>
+          <a:prstGeom prst="rect">
+            <a:avLst/>
+          </a:prstGeom>
+        </p:spPr>
+        <p:txBody>
+          <a:bodyPr vert="horz" wrap="square" lIns="0" tIns="12700" rIns="0" bIns="0" rtlCol="0">
+            <a:spAutoFit/>
+          </a:bodyPr>
+          <a:lstStyle/>
+          <a:p>
+            <a:pPr marL="12700" algn="ctr">
+              <a:lnSpc>
+                <a:spcPct val="100000"/>
+              </a:lnSpc>
+              <a:spcBef>
+                <a:spcPts val="100"/>
+              </a:spcBef>
+            </a:pPr>
+            <a:r>
+              <a:rPr lang="en-US" sz="2400" dirty="0">
+                <a:solidFill>
+                  <a:schemeClr val="accent1">
+                    <a:lumMod val="75000"/>
+                  </a:schemeClr>
+                </a:solidFill>
+                <a:latin typeface="Trebuchet MS"/>
+                <a:cs typeface="Trebuchet MS"/>
+              </a:rPr>
+              <a:t>Sources </a:t>
+            </a:r>
+            <a:endParaRPr sz="2400" dirty="0">
+              <a:solidFill>
+                <a:schemeClr val="accent1">
+                  <a:lumMod val="75000"/>
+                </a:schemeClr>
+              </a:solidFill>
+              <a:latin typeface="Trebuchet MS"/>
+              <a:cs typeface="Trebuchet MS"/>
+            </a:endParaRPr>
+          </a:p>
+        </p:txBody>
+      </p:sp>
+      <p:sp>
+        <p:nvSpPr>
+          <p:cNvPr id="5" name="object 3">
+            <a:extLst>
+              <a:ext uri="{FF2B5EF4-FFF2-40B4-BE49-F238E27FC236}">
+                <a16:creationId xmlns:a16="http://schemas.microsoft.com/office/drawing/2014/main" id="{2357900F-F768-44CD-AD98-5F5A243C9030}"/>
+              </a:ext>
+            </a:extLst>
+          </p:cNvPr>
+          <p:cNvSpPr txBox="1"/>
+          <p:nvPr/>
+        </p:nvSpPr>
+        <p:spPr>
+          <a:xfrm>
+            <a:off x="3048000" y="990600"/>
+            <a:ext cx="8561705" cy="4147289"/>
+          </a:xfrm>
+          <a:prstGeom prst="rect">
+            <a:avLst/>
+          </a:prstGeom>
+        </p:spPr>
+        <p:txBody>
+          <a:bodyPr vert="horz" wrap="square" lIns="0" tIns="12700" rIns="0" bIns="0" rtlCol="0">
+            <a:spAutoFit/>
+          </a:bodyPr>
+          <a:lstStyle/>
+          <a:p>
+            <a:pPr marL="355600" marR="5080" indent="-342900">
+              <a:spcBef>
+                <a:spcPts val="100"/>
+              </a:spcBef>
+            </a:pPr>
+            <a:r>
+              <a:rPr lang="en-US" sz="1200" b="1" dirty="0">
+                <a:latin typeface="Arial Black" panose="020B0A04020102020204" pitchFamily="34" charset="0"/>
+                <a:cs typeface="Arial"/>
+                <a:hlinkClick r:id="rId2"/>
+              </a:rPr>
+              <a:t>https://www.geeksforgeeks.org/daemon-thread-java/?ref=lbp</a:t>
+            </a:r>
+            <a:endParaRPr lang="en-US" sz="1200" b="1" dirty="0">
+              <a:latin typeface="Arial Black" panose="020B0A04020102020204" pitchFamily="34" charset="0"/>
+              <a:cs typeface="Arial"/>
+            </a:endParaRPr>
+          </a:p>
+          <a:p>
+            <a:pPr marL="355600" marR="5080" indent="-342900">
+              <a:spcBef>
+                <a:spcPts val="100"/>
+              </a:spcBef>
+            </a:pPr>
+            <a:endParaRPr lang="en-US" sz="1200" b="1" dirty="0">
+              <a:latin typeface="Arial Black" panose="020B0A04020102020204" pitchFamily="34" charset="0"/>
+              <a:cs typeface="Arial"/>
+            </a:endParaRPr>
+          </a:p>
+          <a:p>
+            <a:pPr marL="355600" marR="5080" indent="-342900">
+              <a:spcBef>
+                <a:spcPts val="100"/>
+              </a:spcBef>
+            </a:pPr>
+            <a:r>
+              <a:rPr lang="en-US" sz="1200" b="1" dirty="0">
+                <a:latin typeface="Arial Black" panose="020B0A04020102020204" pitchFamily="34" charset="0"/>
+                <a:cs typeface="Arial"/>
+                <a:hlinkClick r:id="rId3"/>
+              </a:rPr>
+              <a:t>http://tutorials.jenkov.com/java-util-concurrent/index.html</a:t>
+            </a:r>
+            <a:endParaRPr lang="en-US" sz="1200" b="1" dirty="0">
+              <a:latin typeface="Arial Black" panose="020B0A04020102020204" pitchFamily="34" charset="0"/>
+              <a:cs typeface="Arial"/>
+            </a:endParaRPr>
+          </a:p>
+          <a:p>
+            <a:pPr marL="355600" marR="5080" indent="-342900">
+              <a:spcBef>
+                <a:spcPts val="100"/>
+              </a:spcBef>
+            </a:pPr>
+            <a:endParaRPr lang="en-US" sz="1200" b="1" dirty="0">
+              <a:latin typeface="Arial Black" panose="020B0A04020102020204" pitchFamily="34" charset="0"/>
+              <a:cs typeface="Arial"/>
+            </a:endParaRPr>
+          </a:p>
+          <a:p>
+            <a:pPr marL="355600" marR="5080" indent="-342900">
+              <a:spcBef>
+                <a:spcPts val="100"/>
+              </a:spcBef>
+            </a:pPr>
+            <a:r>
+              <a:rPr lang="en-US" sz="1200" b="1" dirty="0">
+                <a:latin typeface="Arial Black" panose="020B0A04020102020204" pitchFamily="34" charset="0"/>
+                <a:cs typeface="Arial"/>
+                <a:hlinkClick r:id="rId4"/>
+              </a:rPr>
+              <a:t>https://www.slideshare.net/alexmiller/java-concurrency-idioms</a:t>
+            </a:r>
+            <a:endParaRPr lang="en-US" sz="1200" b="1" dirty="0">
+              <a:latin typeface="Arial Black" panose="020B0A04020102020204" pitchFamily="34" charset="0"/>
+              <a:cs typeface="Arial"/>
+            </a:endParaRPr>
+          </a:p>
+          <a:p>
+            <a:pPr marL="355600" marR="5080" indent="-342900">
+              <a:spcBef>
+                <a:spcPts val="100"/>
+              </a:spcBef>
+            </a:pPr>
+            <a:endParaRPr lang="en-US" sz="1200" b="1" dirty="0">
+              <a:latin typeface="Arial Black" panose="020B0A04020102020204" pitchFamily="34" charset="0"/>
+              <a:cs typeface="Arial"/>
+            </a:endParaRPr>
+          </a:p>
+          <a:p>
+            <a:pPr marL="355600" marR="5080" indent="-342900">
+              <a:spcBef>
+                <a:spcPts val="100"/>
+              </a:spcBef>
+            </a:pPr>
+            <a:endParaRPr lang="en-US" sz="1200" b="1" dirty="0">
+              <a:latin typeface="Arial Black" panose="020B0A04020102020204" pitchFamily="34" charset="0"/>
+              <a:cs typeface="Arial"/>
+            </a:endParaRPr>
+          </a:p>
+          <a:p>
+            <a:pPr marL="355600" marR="5080" indent="-342900">
+              <a:spcBef>
+                <a:spcPts val="100"/>
+              </a:spcBef>
+            </a:pPr>
+            <a:endParaRPr lang="en-US" sz="1200" b="1" dirty="0">
+              <a:latin typeface="Arial Black" panose="020B0A04020102020204" pitchFamily="34" charset="0"/>
+              <a:cs typeface="Arial"/>
+            </a:endParaRPr>
+          </a:p>
+          <a:p>
+            <a:pPr marL="355600" marR="5080" indent="-342900">
+              <a:spcBef>
+                <a:spcPts val="100"/>
+              </a:spcBef>
+            </a:pPr>
+            <a:endParaRPr lang="en-US" sz="1200" b="1" dirty="0">
+              <a:latin typeface="Arial Black" panose="020B0A04020102020204" pitchFamily="34" charset="0"/>
+              <a:cs typeface="Arial"/>
+            </a:endParaRPr>
+          </a:p>
+          <a:p>
+            <a:pPr marL="355600" marR="5080" indent="-342900">
+              <a:spcBef>
+                <a:spcPts val="100"/>
+              </a:spcBef>
+            </a:pPr>
+            <a:endParaRPr lang="en-US" sz="1200" b="1" dirty="0">
+              <a:latin typeface="Arial Black" panose="020B0A04020102020204" pitchFamily="34" charset="0"/>
+              <a:cs typeface="Arial"/>
+            </a:endParaRPr>
+          </a:p>
+          <a:p>
+            <a:pPr marL="355600" marR="5080" indent="-342900">
+              <a:spcBef>
+                <a:spcPts val="100"/>
+              </a:spcBef>
+            </a:pPr>
+            <a:endParaRPr lang="en-US" sz="1200" b="1" dirty="0">
+              <a:latin typeface="Arial Black" panose="020B0A04020102020204" pitchFamily="34" charset="0"/>
+              <a:cs typeface="Arial"/>
+            </a:endParaRPr>
+          </a:p>
+          <a:p>
+            <a:pPr marL="355600" marR="5080" indent="-342900">
+              <a:spcBef>
+                <a:spcPts val="100"/>
+              </a:spcBef>
+            </a:pPr>
+            <a:endParaRPr lang="en-US" sz="1200" b="1" dirty="0">
+              <a:latin typeface="Arial Black" panose="020B0A04020102020204" pitchFamily="34" charset="0"/>
+              <a:cs typeface="Arial"/>
+            </a:endParaRPr>
+          </a:p>
+          <a:p>
+            <a:pPr marL="355600" marR="5080" indent="-342900">
+              <a:spcBef>
+                <a:spcPts val="100"/>
+              </a:spcBef>
+            </a:pPr>
+            <a:endParaRPr lang="en-US" sz="1200" b="1" dirty="0">
+              <a:latin typeface="Arial Black" panose="020B0A04020102020204" pitchFamily="34" charset="0"/>
+              <a:cs typeface="Arial"/>
+            </a:endParaRPr>
+          </a:p>
+          <a:p>
+            <a:pPr marL="355600" marR="5080" indent="-342900">
+              <a:spcBef>
+                <a:spcPts val="100"/>
+              </a:spcBef>
+            </a:pPr>
+            <a:endParaRPr lang="en-US" sz="1200" b="1" dirty="0">
+              <a:latin typeface="Arial Black" panose="020B0A04020102020204" pitchFamily="34" charset="0"/>
+              <a:cs typeface="Arial"/>
+            </a:endParaRPr>
+          </a:p>
+          <a:p>
+            <a:pPr marL="355600" marR="5080" indent="-342900">
+              <a:spcBef>
+                <a:spcPts val="100"/>
+              </a:spcBef>
+            </a:pPr>
+            <a:endParaRPr lang="en-US" sz="1200" b="1" dirty="0">
+              <a:latin typeface="Arial Black" panose="020B0A04020102020204" pitchFamily="34" charset="0"/>
+              <a:cs typeface="Arial"/>
+            </a:endParaRPr>
+          </a:p>
+          <a:p>
+            <a:pPr marL="355600" marR="5080" indent="-342900">
+              <a:spcBef>
+                <a:spcPts val="100"/>
+              </a:spcBef>
+            </a:pPr>
+            <a:endParaRPr lang="en-US" sz="1200" b="1" dirty="0">
+              <a:latin typeface="Arial Black" panose="020B0A04020102020204" pitchFamily="34" charset="0"/>
+              <a:cs typeface="Arial"/>
+            </a:endParaRPr>
+          </a:p>
+          <a:p>
+            <a:pPr marL="355600" marR="5080" indent="-342900">
+              <a:spcBef>
+                <a:spcPts val="100"/>
+              </a:spcBef>
+            </a:pPr>
+            <a:endParaRPr lang="en-US" sz="1200" b="1" dirty="0">
+              <a:latin typeface="Arial Black" panose="020B0A04020102020204" pitchFamily="34" charset="0"/>
+              <a:cs typeface="Arial"/>
+            </a:endParaRPr>
+          </a:p>
+          <a:p>
+            <a:pPr marL="355600" marR="5080" indent="-342900">
+              <a:spcBef>
+                <a:spcPts val="100"/>
+              </a:spcBef>
+            </a:pPr>
+            <a:endParaRPr lang="en-US" sz="1200" b="1" dirty="0">
+              <a:latin typeface="Arial Black" panose="020B0A04020102020204" pitchFamily="34" charset="0"/>
+              <a:cs typeface="Arial"/>
+            </a:endParaRPr>
+          </a:p>
+          <a:p>
+            <a:pPr marL="355600" marR="5080" indent="-342900">
+              <a:spcBef>
+                <a:spcPts val="100"/>
+              </a:spcBef>
+            </a:pPr>
+            <a:endParaRPr lang="en-US" sz="1200" b="1" dirty="0">
+              <a:latin typeface="Arial Black" panose="020B0A04020102020204" pitchFamily="34" charset="0"/>
+              <a:cs typeface="Arial"/>
+            </a:endParaRPr>
+          </a:p>
+          <a:p>
+            <a:pPr marL="355600" marR="5080" indent="-342900">
+              <a:spcBef>
+                <a:spcPts val="100"/>
+              </a:spcBef>
+            </a:pPr>
+            <a:endParaRPr lang="en-US" sz="1200" b="1" dirty="0">
+              <a:latin typeface="Arial Black" panose="020B0A04020102020204" pitchFamily="34" charset="0"/>
+              <a:cs typeface="Arial"/>
+            </a:endParaRPr>
+          </a:p>
+          <a:p>
+            <a:pPr marL="355600" marR="5080" indent="-342900">
+              <a:spcBef>
+                <a:spcPts val="100"/>
+              </a:spcBef>
+            </a:pPr>
+            <a:endParaRPr lang="en-US" sz="1200" b="1" dirty="0">
+              <a:latin typeface="Arial Black" panose="020B0A04020102020204" pitchFamily="34" charset="0"/>
+              <a:cs typeface="Arial"/>
+            </a:endParaRPr>
+          </a:p>
+        </p:txBody>
+      </p:sp>
+    </p:spTree>
+    <p:extLst>
+      <p:ext uri="{BB962C8B-B14F-4D97-AF65-F5344CB8AC3E}">
+        <p14:creationId xmlns:p14="http://schemas.microsoft.com/office/powerpoint/2010/main" val="682994553"/>
+      </p:ext>
+    </p:extLst>
+  </p:cSld>
+  <p:clrMapOvr>
+    <a:masterClrMapping/>
+  </p:clrMapOvr>
 </p:sld>
 </file>
 
